--- a/documents/presentation/overview.pptx
+++ b/documents/presentation/overview.pptx
@@ -7,15 +7,16 @@
   <p:sldIdLst>
     <p:sldId id="256" r:id="rId2"/>
     <p:sldId id="270" r:id="rId3"/>
-    <p:sldId id="271" r:id="rId4"/>
-    <p:sldId id="258" r:id="rId5"/>
-    <p:sldId id="257" r:id="rId6"/>
-    <p:sldId id="259" r:id="rId7"/>
-    <p:sldId id="272" r:id="rId8"/>
-    <p:sldId id="260" r:id="rId9"/>
-    <p:sldId id="263" r:id="rId10"/>
-    <p:sldId id="261" r:id="rId11"/>
-    <p:sldId id="262" r:id="rId12"/>
+    <p:sldId id="273" r:id="rId4"/>
+    <p:sldId id="271" r:id="rId5"/>
+    <p:sldId id="258" r:id="rId6"/>
+    <p:sldId id="257" r:id="rId7"/>
+    <p:sldId id="259" r:id="rId8"/>
+    <p:sldId id="272" r:id="rId9"/>
+    <p:sldId id="260" r:id="rId10"/>
+    <p:sldId id="263" r:id="rId11"/>
+    <p:sldId id="261" r:id="rId12"/>
+    <p:sldId id="262" r:id="rId13"/>
   </p:sldIdLst>
   <p:sldSz cx="12192000" cy="6858000"/>
   <p:notesSz cx="6858000" cy="9144000"/>
@@ -3187,6 +3188,878 @@
         </p:nvSpPr>
         <p:spPr>
           <a:xfrm>
+            <a:off x="648419" y="0"/>
+            <a:ext cx="10515600" cy="1325563"/>
+          </a:xfrm>
+        </p:spPr>
+        <p:txBody>
+          <a:bodyPr/>
+          <a:lstStyle/>
+          <a:p>
+            <a:r>
+              <a:rPr lang="en-US" dirty="0" smtClean="0"/>
+              <a:t>Project Timeline</a:t>
+            </a:r>
+            <a:endParaRPr lang="en-US" dirty="0"/>
+          </a:p>
+        </p:txBody>
+      </p:sp>
+      <p:graphicFrame>
+        <p:nvGraphicFramePr>
+          <p:cNvPr id="4" name="Table 3"/>
+          <p:cNvGraphicFramePr>
+            <a:graphicFrameLocks noGrp="1"/>
+          </p:cNvGraphicFramePr>
+          <p:nvPr>
+            <p:extLst>
+              <p:ext uri="{D42A27DB-BD31-4B8C-83A1-F6EECF244321}">
+                <p14:modId xmlns:p14="http://schemas.microsoft.com/office/powerpoint/2010/main" val="3643318759"/>
+              </p:ext>
+            </p:extLst>
+          </p:nvPr>
+        </p:nvGraphicFramePr>
+        <p:xfrm>
+          <a:off x="760052" y="1246679"/>
+          <a:ext cx="9565765" cy="5087559"/>
+        </p:xfrm>
+        <a:graphic>
+          <a:graphicData uri="http://schemas.openxmlformats.org/drawingml/2006/table">
+            <a:tbl>
+              <a:tblPr firstRow="1" firstCol="1" bandRow="1">
+                <a:tableStyleId>{5C22544A-7EE6-4342-B048-85BDC9FD1C3A}</a:tableStyleId>
+              </a:tblPr>
+              <a:tblGrid>
+                <a:gridCol w="6165936">
+                  <a:extLst>
+                    <a:ext uri="{9D8B030D-6E8A-4147-A177-3AD203B41FA5}">
+                      <a16:colId xmlns:a16="http://schemas.microsoft.com/office/drawing/2014/main" val="2614237237"/>
+                    </a:ext>
+                  </a:extLst>
+                </a:gridCol>
+                <a:gridCol w="3399829">
+                  <a:extLst>
+                    <a:ext uri="{9D8B030D-6E8A-4147-A177-3AD203B41FA5}">
+                      <a16:colId xmlns:a16="http://schemas.microsoft.com/office/drawing/2014/main" val="2576015793"/>
+                    </a:ext>
+                  </a:extLst>
+                </a:gridCol>
+              </a:tblGrid>
+              <a:tr h="0">
+                <a:tc>
+                  <a:txBody>
+                    <a:bodyPr/>
+                    <a:lstStyle/>
+                    <a:p>
+                      <a:pPr marL="0" marR="0" algn="l">
+                        <a:lnSpc>
+                          <a:spcPct val="107000"/>
+                        </a:lnSpc>
+                        <a:spcBef>
+                          <a:spcPts val="0"/>
+                        </a:spcBef>
+                        <a:spcAft>
+                          <a:spcPts val="0"/>
+                        </a:spcAft>
+                      </a:pPr>
+                      <a:r>
+                        <a:rPr lang="en-US" sz="2400" dirty="0">
+                          <a:effectLst/>
+                        </a:rPr>
+                        <a:t>Task</a:t>
+                      </a:r>
+                      <a:endParaRPr lang="en-US" sz="3200" dirty="0">
+                        <a:effectLst/>
+                        <a:latin typeface="Calibri" panose="020F0502020204030204" pitchFamily="34" charset="0"/>
+                        <a:ea typeface="Calibri" panose="020F0502020204030204" pitchFamily="34" charset="0"/>
+                        <a:cs typeface="Times New Roman" panose="02020603050405020304" pitchFamily="18" charset="0"/>
+                      </a:endParaRPr>
+                    </a:p>
+                  </a:txBody>
+                  <a:tcPr marL="68580" marR="68580" marT="0" marB="0"/>
+                </a:tc>
+                <a:tc>
+                  <a:txBody>
+                    <a:bodyPr/>
+                    <a:lstStyle/>
+                    <a:p>
+                      <a:pPr marL="0" marR="0" algn="l">
+                        <a:lnSpc>
+                          <a:spcPct val="107000"/>
+                        </a:lnSpc>
+                        <a:spcBef>
+                          <a:spcPts val="0"/>
+                        </a:spcBef>
+                        <a:spcAft>
+                          <a:spcPts val="0"/>
+                        </a:spcAft>
+                      </a:pPr>
+                      <a:r>
+                        <a:rPr lang="en-US" sz="2400">
+                          <a:effectLst/>
+                        </a:rPr>
+                        <a:t>Date of Completion</a:t>
+                      </a:r>
+                      <a:endParaRPr lang="en-US" sz="3200">
+                        <a:effectLst/>
+                        <a:latin typeface="Calibri" panose="020F0502020204030204" pitchFamily="34" charset="0"/>
+                        <a:ea typeface="Calibri" panose="020F0502020204030204" pitchFamily="34" charset="0"/>
+                        <a:cs typeface="Times New Roman" panose="02020603050405020304" pitchFamily="18" charset="0"/>
+                      </a:endParaRPr>
+                    </a:p>
+                  </a:txBody>
+                  <a:tcPr marL="68580" marR="68580" marT="0" marB="0" anchor="ctr"/>
+                </a:tc>
+                <a:extLst>
+                  <a:ext uri="{0D108BD9-81ED-4DB2-BD59-A6C34878D82A}">
+                    <a16:rowId xmlns:a16="http://schemas.microsoft.com/office/drawing/2014/main" val="709183120"/>
+                  </a:ext>
+                </a:extLst>
+              </a:tr>
+              <a:tr h="0">
+                <a:tc>
+                  <a:txBody>
+                    <a:bodyPr/>
+                    <a:lstStyle/>
+                    <a:p>
+                      <a:pPr marL="0" marR="0" algn="l">
+                        <a:lnSpc>
+                          <a:spcPct val="107000"/>
+                        </a:lnSpc>
+                        <a:spcBef>
+                          <a:spcPts val="0"/>
+                        </a:spcBef>
+                        <a:spcAft>
+                          <a:spcPts val="0"/>
+                        </a:spcAft>
+                      </a:pPr>
+                      <a:r>
+                        <a:rPr lang="en-US" sz="2400" dirty="0">
+                          <a:effectLst/>
+                        </a:rPr>
+                        <a:t>IRB-Approval</a:t>
+                      </a:r>
+                      <a:endParaRPr lang="en-US" sz="3200" dirty="0">
+                        <a:effectLst/>
+                        <a:latin typeface="Calibri" panose="020F0502020204030204" pitchFamily="34" charset="0"/>
+                        <a:ea typeface="Calibri" panose="020F0502020204030204" pitchFamily="34" charset="0"/>
+                        <a:cs typeface="Times New Roman" panose="02020603050405020304" pitchFamily="18" charset="0"/>
+                      </a:endParaRPr>
+                    </a:p>
+                  </a:txBody>
+                  <a:tcPr marL="68580" marR="68580" marT="0" marB="0"/>
+                </a:tc>
+                <a:tc>
+                  <a:txBody>
+                    <a:bodyPr/>
+                    <a:lstStyle/>
+                    <a:p>
+                      <a:pPr marL="0" marR="0" algn="l">
+                        <a:lnSpc>
+                          <a:spcPct val="107000"/>
+                        </a:lnSpc>
+                        <a:spcBef>
+                          <a:spcPts val="0"/>
+                        </a:spcBef>
+                        <a:spcAft>
+                          <a:spcPts val="0"/>
+                        </a:spcAft>
+                      </a:pPr>
+                      <a:r>
+                        <a:rPr lang="en-US" sz="2400">
+                          <a:effectLst/>
+                        </a:rPr>
+                        <a:t>11/03/2016</a:t>
+                      </a:r>
+                      <a:endParaRPr lang="en-US" sz="3200">
+                        <a:effectLst/>
+                        <a:latin typeface="Calibri" panose="020F0502020204030204" pitchFamily="34" charset="0"/>
+                        <a:ea typeface="Calibri" panose="020F0502020204030204" pitchFamily="34" charset="0"/>
+                        <a:cs typeface="Times New Roman" panose="02020603050405020304" pitchFamily="18" charset="0"/>
+                      </a:endParaRPr>
+                    </a:p>
+                  </a:txBody>
+                  <a:tcPr marL="68580" marR="68580" marT="0" marB="0" anchor="ctr"/>
+                </a:tc>
+                <a:extLst>
+                  <a:ext uri="{0D108BD9-81ED-4DB2-BD59-A6C34878D82A}">
+                    <a16:rowId xmlns:a16="http://schemas.microsoft.com/office/drawing/2014/main" val="1084821198"/>
+                  </a:ext>
+                </a:extLst>
+              </a:tr>
+              <a:tr h="0">
+                <a:tc>
+                  <a:txBody>
+                    <a:bodyPr/>
+                    <a:lstStyle/>
+                    <a:p>
+                      <a:pPr marL="0" marR="0" algn="l">
+                        <a:lnSpc>
+                          <a:spcPct val="107000"/>
+                        </a:lnSpc>
+                        <a:spcBef>
+                          <a:spcPts val="0"/>
+                        </a:spcBef>
+                        <a:spcAft>
+                          <a:spcPts val="0"/>
+                        </a:spcAft>
+                      </a:pPr>
+                      <a:r>
+                        <a:rPr lang="en-US" sz="2400" dirty="0">
+                          <a:effectLst/>
+                        </a:rPr>
+                        <a:t>IDR Data Extraction</a:t>
+                      </a:r>
+                      <a:endParaRPr lang="en-US" sz="3200" dirty="0">
+                        <a:effectLst/>
+                        <a:latin typeface="Calibri" panose="020F0502020204030204" pitchFamily="34" charset="0"/>
+                        <a:ea typeface="Calibri" panose="020F0502020204030204" pitchFamily="34" charset="0"/>
+                        <a:cs typeface="Times New Roman" panose="02020603050405020304" pitchFamily="18" charset="0"/>
+                      </a:endParaRPr>
+                    </a:p>
+                  </a:txBody>
+                  <a:tcPr marL="68580" marR="68580" marT="0" marB="0"/>
+                </a:tc>
+                <a:tc>
+                  <a:txBody>
+                    <a:bodyPr/>
+                    <a:lstStyle/>
+                    <a:p>
+                      <a:pPr marL="0" marR="0" algn="l">
+                        <a:lnSpc>
+                          <a:spcPct val="107000"/>
+                        </a:lnSpc>
+                        <a:spcBef>
+                          <a:spcPts val="0"/>
+                        </a:spcBef>
+                        <a:spcAft>
+                          <a:spcPts val="0"/>
+                        </a:spcAft>
+                      </a:pPr>
+                      <a:r>
+                        <a:rPr lang="en-US" sz="2400" dirty="0">
+                          <a:effectLst/>
+                        </a:rPr>
+                        <a:t>09/2020</a:t>
+                      </a:r>
+                      <a:endParaRPr lang="en-US" sz="3200" dirty="0">
+                        <a:effectLst/>
+                        <a:latin typeface="Calibri" panose="020F0502020204030204" pitchFamily="34" charset="0"/>
+                        <a:ea typeface="Calibri" panose="020F0502020204030204" pitchFamily="34" charset="0"/>
+                        <a:cs typeface="Times New Roman" panose="02020603050405020304" pitchFamily="18" charset="0"/>
+                      </a:endParaRPr>
+                    </a:p>
+                  </a:txBody>
+                  <a:tcPr marL="68580" marR="68580" marT="0" marB="0" anchor="ctr"/>
+                </a:tc>
+                <a:extLst>
+                  <a:ext uri="{0D108BD9-81ED-4DB2-BD59-A6C34878D82A}">
+                    <a16:rowId xmlns:a16="http://schemas.microsoft.com/office/drawing/2014/main" val="1433235382"/>
+                  </a:ext>
+                </a:extLst>
+              </a:tr>
+              <a:tr h="0">
+                <a:tc>
+                  <a:txBody>
+                    <a:bodyPr/>
+                    <a:lstStyle/>
+                    <a:p>
+                      <a:pPr marL="0" marR="0" algn="l">
+                        <a:lnSpc>
+                          <a:spcPct val="107000"/>
+                        </a:lnSpc>
+                        <a:spcBef>
+                          <a:spcPts val="0"/>
+                        </a:spcBef>
+                        <a:spcAft>
+                          <a:spcPts val="0"/>
+                        </a:spcAft>
+                      </a:pPr>
+                      <a:r>
+                        <a:rPr lang="en-US" sz="2400" dirty="0">
+                          <a:effectLst/>
+                        </a:rPr>
+                        <a:t>Specific Aim 1: </a:t>
+                      </a:r>
+                      <a:endParaRPr lang="en-US" sz="3200" dirty="0">
+                        <a:effectLst/>
+                      </a:endParaRPr>
+                    </a:p>
+                    <a:p>
+                      <a:pPr marL="0" marR="0" algn="l">
+                        <a:lnSpc>
+                          <a:spcPct val="107000"/>
+                        </a:lnSpc>
+                        <a:spcBef>
+                          <a:spcPts val="0"/>
+                        </a:spcBef>
+                        <a:spcAft>
+                          <a:spcPts val="0"/>
+                        </a:spcAft>
+                      </a:pPr>
+                      <a:r>
+                        <a:rPr lang="en-US" sz="2400" dirty="0">
+                          <a:effectLst/>
+                        </a:rPr>
+                        <a:t>Natural Language Processing (NLP) </a:t>
+                      </a:r>
+                      <a:endParaRPr lang="en-US" sz="3200" dirty="0">
+                        <a:effectLst/>
+                        <a:latin typeface="Calibri" panose="020F0502020204030204" pitchFamily="34" charset="0"/>
+                        <a:ea typeface="Calibri" panose="020F0502020204030204" pitchFamily="34" charset="0"/>
+                        <a:cs typeface="Times New Roman" panose="02020603050405020304" pitchFamily="18" charset="0"/>
+                      </a:endParaRPr>
+                    </a:p>
+                  </a:txBody>
+                  <a:tcPr marL="68580" marR="68580" marT="0" marB="0"/>
+                </a:tc>
+                <a:tc>
+                  <a:txBody>
+                    <a:bodyPr/>
+                    <a:lstStyle/>
+                    <a:p>
+                      <a:pPr marL="0" marR="0" algn="l">
+                        <a:lnSpc>
+                          <a:spcPct val="107000"/>
+                        </a:lnSpc>
+                        <a:spcBef>
+                          <a:spcPts val="0"/>
+                        </a:spcBef>
+                        <a:spcAft>
+                          <a:spcPts val="0"/>
+                        </a:spcAft>
+                      </a:pPr>
+                      <a:r>
+                        <a:rPr lang="en-US" sz="2400" dirty="0">
+                          <a:effectLst/>
+                        </a:rPr>
+                        <a:t>12/2020</a:t>
+                      </a:r>
+                      <a:endParaRPr lang="en-US" sz="3200" dirty="0">
+                        <a:effectLst/>
+                        <a:latin typeface="Calibri" panose="020F0502020204030204" pitchFamily="34" charset="0"/>
+                        <a:ea typeface="Calibri" panose="020F0502020204030204" pitchFamily="34" charset="0"/>
+                        <a:cs typeface="Times New Roman" panose="02020603050405020304" pitchFamily="18" charset="0"/>
+                      </a:endParaRPr>
+                    </a:p>
+                  </a:txBody>
+                  <a:tcPr marL="68580" marR="68580" marT="0" marB="0" anchor="ctr"/>
+                </a:tc>
+                <a:extLst>
+                  <a:ext uri="{0D108BD9-81ED-4DB2-BD59-A6C34878D82A}">
+                    <a16:rowId xmlns:a16="http://schemas.microsoft.com/office/drawing/2014/main" val="1483761380"/>
+                  </a:ext>
+                </a:extLst>
+              </a:tr>
+              <a:tr h="0">
+                <a:tc>
+                  <a:txBody>
+                    <a:bodyPr/>
+                    <a:lstStyle/>
+                    <a:p>
+                      <a:pPr marL="0" marR="0" algn="l">
+                        <a:lnSpc>
+                          <a:spcPct val="107000"/>
+                        </a:lnSpc>
+                        <a:spcBef>
+                          <a:spcPts val="0"/>
+                        </a:spcBef>
+                        <a:spcAft>
+                          <a:spcPts val="0"/>
+                        </a:spcAft>
+                      </a:pPr>
+                      <a:r>
+                        <a:rPr lang="en-US" sz="2400" dirty="0">
+                          <a:effectLst/>
+                        </a:rPr>
+                        <a:t>Specific Aim 1: </a:t>
+                      </a:r>
+                      <a:endParaRPr lang="en-US" sz="3200" dirty="0">
+                        <a:effectLst/>
+                      </a:endParaRPr>
+                    </a:p>
+                    <a:p>
+                      <a:pPr marL="0" marR="0" algn="l">
+                        <a:lnSpc>
+                          <a:spcPct val="107000"/>
+                        </a:lnSpc>
+                        <a:spcBef>
+                          <a:spcPts val="0"/>
+                        </a:spcBef>
+                        <a:spcAft>
+                          <a:spcPts val="0"/>
+                        </a:spcAft>
+                      </a:pPr>
+                      <a:r>
+                        <a:rPr lang="en-US" sz="2400" dirty="0">
+                          <a:effectLst/>
+                        </a:rPr>
+                        <a:t>NLP Manuscript Submission</a:t>
+                      </a:r>
+                      <a:endParaRPr lang="en-US" sz="3200" dirty="0">
+                        <a:effectLst/>
+                        <a:latin typeface="Calibri" panose="020F0502020204030204" pitchFamily="34" charset="0"/>
+                        <a:ea typeface="Calibri" panose="020F0502020204030204" pitchFamily="34" charset="0"/>
+                        <a:cs typeface="Times New Roman" panose="02020603050405020304" pitchFamily="18" charset="0"/>
+                      </a:endParaRPr>
+                    </a:p>
+                  </a:txBody>
+                  <a:tcPr marL="68580" marR="68580" marT="0" marB="0"/>
+                </a:tc>
+                <a:tc>
+                  <a:txBody>
+                    <a:bodyPr/>
+                    <a:lstStyle/>
+                    <a:p>
+                      <a:pPr marL="0" marR="0" algn="l">
+                        <a:lnSpc>
+                          <a:spcPct val="107000"/>
+                        </a:lnSpc>
+                        <a:spcBef>
+                          <a:spcPts val="0"/>
+                        </a:spcBef>
+                        <a:spcAft>
+                          <a:spcPts val="0"/>
+                        </a:spcAft>
+                      </a:pPr>
+                      <a:r>
+                        <a:rPr lang="en-US" sz="2400" dirty="0">
+                          <a:effectLst/>
+                        </a:rPr>
+                        <a:t>02/2021</a:t>
+                      </a:r>
+                      <a:endParaRPr lang="en-US" sz="3200" dirty="0">
+                        <a:effectLst/>
+                        <a:latin typeface="Calibri" panose="020F0502020204030204" pitchFamily="34" charset="0"/>
+                        <a:ea typeface="Calibri" panose="020F0502020204030204" pitchFamily="34" charset="0"/>
+                        <a:cs typeface="Times New Roman" panose="02020603050405020304" pitchFamily="18" charset="0"/>
+                      </a:endParaRPr>
+                    </a:p>
+                  </a:txBody>
+                  <a:tcPr marL="68580" marR="68580" marT="0" marB="0" anchor="ctr"/>
+                </a:tc>
+                <a:extLst>
+                  <a:ext uri="{0D108BD9-81ED-4DB2-BD59-A6C34878D82A}">
+                    <a16:rowId xmlns:a16="http://schemas.microsoft.com/office/drawing/2014/main" val="2549927338"/>
+                  </a:ext>
+                </a:extLst>
+              </a:tr>
+              <a:tr h="0">
+                <a:tc>
+                  <a:txBody>
+                    <a:bodyPr/>
+                    <a:lstStyle/>
+                    <a:p>
+                      <a:pPr marL="0" marR="0" algn="l">
+                        <a:lnSpc>
+                          <a:spcPct val="107000"/>
+                        </a:lnSpc>
+                        <a:spcBef>
+                          <a:spcPts val="0"/>
+                        </a:spcBef>
+                        <a:spcAft>
+                          <a:spcPts val="0"/>
+                        </a:spcAft>
+                      </a:pPr>
+                      <a:r>
+                        <a:rPr lang="en-US" sz="2400" dirty="0">
+                          <a:effectLst/>
+                        </a:rPr>
+                        <a:t>Specific Aim 2:</a:t>
+                      </a:r>
+                      <a:endParaRPr lang="en-US" sz="3200" dirty="0">
+                        <a:effectLst/>
+                      </a:endParaRPr>
+                    </a:p>
+                    <a:p>
+                      <a:pPr marL="0" marR="0" algn="l">
+                        <a:lnSpc>
+                          <a:spcPct val="107000"/>
+                        </a:lnSpc>
+                        <a:spcBef>
+                          <a:spcPts val="0"/>
+                        </a:spcBef>
+                        <a:spcAft>
+                          <a:spcPts val="0"/>
+                        </a:spcAft>
+                      </a:pPr>
+                      <a:r>
+                        <a:rPr lang="en-US" sz="2400" dirty="0">
+                          <a:effectLst/>
+                        </a:rPr>
+                        <a:t>Social Determinants of Health (</a:t>
+                      </a:r>
+                      <a:r>
+                        <a:rPr lang="en-US" sz="2400" dirty="0" err="1">
+                          <a:effectLst/>
+                        </a:rPr>
+                        <a:t>SDoH</a:t>
+                      </a:r>
+                      <a:r>
+                        <a:rPr lang="en-US" sz="2400" dirty="0">
+                          <a:effectLst/>
+                        </a:rPr>
+                        <a:t>) </a:t>
+                      </a:r>
+                      <a:endParaRPr lang="en-US" sz="3200" dirty="0">
+                        <a:effectLst/>
+                        <a:latin typeface="Calibri" panose="020F0502020204030204" pitchFamily="34" charset="0"/>
+                        <a:ea typeface="Calibri" panose="020F0502020204030204" pitchFamily="34" charset="0"/>
+                        <a:cs typeface="Times New Roman" panose="02020603050405020304" pitchFamily="18" charset="0"/>
+                      </a:endParaRPr>
+                    </a:p>
+                  </a:txBody>
+                  <a:tcPr marL="68580" marR="68580" marT="0" marB="0"/>
+                </a:tc>
+                <a:tc>
+                  <a:txBody>
+                    <a:bodyPr/>
+                    <a:lstStyle/>
+                    <a:p>
+                      <a:pPr marL="0" marR="0" algn="l">
+                        <a:lnSpc>
+                          <a:spcPct val="107000"/>
+                        </a:lnSpc>
+                        <a:spcBef>
+                          <a:spcPts val="0"/>
+                        </a:spcBef>
+                        <a:spcAft>
+                          <a:spcPts val="0"/>
+                        </a:spcAft>
+                      </a:pPr>
+                      <a:r>
+                        <a:rPr lang="en-US" sz="2400" dirty="0">
+                          <a:effectLst/>
+                        </a:rPr>
+                        <a:t>04/2021</a:t>
+                      </a:r>
+                      <a:endParaRPr lang="en-US" sz="3200" dirty="0">
+                        <a:effectLst/>
+                        <a:latin typeface="Calibri" panose="020F0502020204030204" pitchFamily="34" charset="0"/>
+                        <a:ea typeface="Calibri" panose="020F0502020204030204" pitchFamily="34" charset="0"/>
+                        <a:cs typeface="Times New Roman" panose="02020603050405020304" pitchFamily="18" charset="0"/>
+                      </a:endParaRPr>
+                    </a:p>
+                  </a:txBody>
+                  <a:tcPr marL="68580" marR="68580" marT="0" marB="0" anchor="ctr"/>
+                </a:tc>
+                <a:extLst>
+                  <a:ext uri="{0D108BD9-81ED-4DB2-BD59-A6C34878D82A}">
+                    <a16:rowId xmlns:a16="http://schemas.microsoft.com/office/drawing/2014/main" val="4179574225"/>
+                  </a:ext>
+                </a:extLst>
+              </a:tr>
+              <a:tr h="0">
+                <a:tc>
+                  <a:txBody>
+                    <a:bodyPr/>
+                    <a:lstStyle/>
+                    <a:p>
+                      <a:pPr marL="0" marR="0" algn="l">
+                        <a:lnSpc>
+                          <a:spcPct val="107000"/>
+                        </a:lnSpc>
+                        <a:spcBef>
+                          <a:spcPts val="0"/>
+                        </a:spcBef>
+                        <a:spcAft>
+                          <a:spcPts val="0"/>
+                        </a:spcAft>
+                      </a:pPr>
+                      <a:r>
+                        <a:rPr lang="en-US" sz="2400">
+                          <a:effectLst/>
+                        </a:rPr>
+                        <a:t>Specific Aim 2:</a:t>
+                      </a:r>
+                      <a:endParaRPr lang="en-US" sz="3200">
+                        <a:effectLst/>
+                      </a:endParaRPr>
+                    </a:p>
+                    <a:p>
+                      <a:pPr marL="0" marR="0" algn="l">
+                        <a:lnSpc>
+                          <a:spcPct val="107000"/>
+                        </a:lnSpc>
+                        <a:spcBef>
+                          <a:spcPts val="0"/>
+                        </a:spcBef>
+                        <a:spcAft>
+                          <a:spcPts val="0"/>
+                        </a:spcAft>
+                      </a:pPr>
+                      <a:r>
+                        <a:rPr lang="en-US" sz="2400">
+                          <a:effectLst/>
+                        </a:rPr>
+                        <a:t>SDoH  Manuscript Submission</a:t>
+                      </a:r>
+                      <a:endParaRPr lang="en-US" sz="3200">
+                        <a:effectLst/>
+                        <a:latin typeface="Calibri" panose="020F0502020204030204" pitchFamily="34" charset="0"/>
+                        <a:ea typeface="Calibri" panose="020F0502020204030204" pitchFamily="34" charset="0"/>
+                        <a:cs typeface="Times New Roman" panose="02020603050405020304" pitchFamily="18" charset="0"/>
+                      </a:endParaRPr>
+                    </a:p>
+                  </a:txBody>
+                  <a:tcPr marL="68580" marR="68580" marT="0" marB="0"/>
+                </a:tc>
+                <a:tc>
+                  <a:txBody>
+                    <a:bodyPr/>
+                    <a:lstStyle/>
+                    <a:p>
+                      <a:pPr marL="0" marR="0" algn="l">
+                        <a:lnSpc>
+                          <a:spcPct val="107000"/>
+                        </a:lnSpc>
+                        <a:spcBef>
+                          <a:spcPts val="0"/>
+                        </a:spcBef>
+                        <a:spcAft>
+                          <a:spcPts val="0"/>
+                        </a:spcAft>
+                      </a:pPr>
+                      <a:r>
+                        <a:rPr lang="en-US" sz="2400" dirty="0">
+                          <a:effectLst/>
+                        </a:rPr>
+                        <a:t>07/2021</a:t>
+                      </a:r>
+                      <a:endParaRPr lang="en-US" sz="3200" dirty="0">
+                        <a:effectLst/>
+                        <a:latin typeface="Calibri" panose="020F0502020204030204" pitchFamily="34" charset="0"/>
+                        <a:ea typeface="Calibri" panose="020F0502020204030204" pitchFamily="34" charset="0"/>
+                        <a:cs typeface="Times New Roman" panose="02020603050405020304" pitchFamily="18" charset="0"/>
+                      </a:endParaRPr>
+                    </a:p>
+                  </a:txBody>
+                  <a:tcPr marL="68580" marR="68580" marT="0" marB="0" anchor="ctr"/>
+                </a:tc>
+                <a:extLst>
+                  <a:ext uri="{0D108BD9-81ED-4DB2-BD59-A6C34878D82A}">
+                    <a16:rowId xmlns:a16="http://schemas.microsoft.com/office/drawing/2014/main" val="1916712752"/>
+                  </a:ext>
+                </a:extLst>
+              </a:tr>
+              <a:tr h="0">
+                <a:tc>
+                  <a:txBody>
+                    <a:bodyPr/>
+                    <a:lstStyle/>
+                    <a:p>
+                      <a:pPr marL="0" marR="0" algn="l">
+                        <a:lnSpc>
+                          <a:spcPct val="107000"/>
+                        </a:lnSpc>
+                        <a:spcBef>
+                          <a:spcPts val="0"/>
+                        </a:spcBef>
+                        <a:spcAft>
+                          <a:spcPts val="0"/>
+                        </a:spcAft>
+                      </a:pPr>
+                      <a:r>
+                        <a:rPr lang="en-US" sz="2400">
+                          <a:effectLst/>
+                        </a:rPr>
+                        <a:t>NIH R21 1</a:t>
+                      </a:r>
+                      <a:r>
+                        <a:rPr lang="en-US" sz="2400" baseline="30000">
+                          <a:effectLst/>
+                        </a:rPr>
+                        <a:t>st</a:t>
+                      </a:r>
+                      <a:r>
+                        <a:rPr lang="en-US" sz="2400">
+                          <a:effectLst/>
+                        </a:rPr>
+                        <a:t> Submission</a:t>
+                      </a:r>
+                      <a:endParaRPr lang="en-US" sz="3200">
+                        <a:effectLst/>
+                        <a:latin typeface="Calibri" panose="020F0502020204030204" pitchFamily="34" charset="0"/>
+                        <a:ea typeface="Calibri" panose="020F0502020204030204" pitchFamily="34" charset="0"/>
+                        <a:cs typeface="Times New Roman" panose="02020603050405020304" pitchFamily="18" charset="0"/>
+                      </a:endParaRPr>
+                    </a:p>
+                  </a:txBody>
+                  <a:tcPr marL="68580" marR="68580" marT="0" marB="0"/>
+                </a:tc>
+                <a:tc>
+                  <a:txBody>
+                    <a:bodyPr/>
+                    <a:lstStyle/>
+                    <a:p>
+                      <a:pPr marL="0" marR="0" algn="l">
+                        <a:lnSpc>
+                          <a:spcPct val="107000"/>
+                        </a:lnSpc>
+                        <a:spcBef>
+                          <a:spcPts val="0"/>
+                        </a:spcBef>
+                        <a:spcAft>
+                          <a:spcPts val="0"/>
+                        </a:spcAft>
+                      </a:pPr>
+                      <a:r>
+                        <a:rPr lang="en-US" sz="2400" dirty="0">
+                          <a:effectLst/>
+                        </a:rPr>
+                        <a:t>05/2021</a:t>
+                      </a:r>
+                      <a:endParaRPr lang="en-US" sz="3200" dirty="0">
+                        <a:effectLst/>
+                        <a:latin typeface="Calibri" panose="020F0502020204030204" pitchFamily="34" charset="0"/>
+                        <a:ea typeface="Calibri" panose="020F0502020204030204" pitchFamily="34" charset="0"/>
+                        <a:cs typeface="Times New Roman" panose="02020603050405020304" pitchFamily="18" charset="0"/>
+                      </a:endParaRPr>
+                    </a:p>
+                  </a:txBody>
+                  <a:tcPr marL="68580" marR="68580" marT="0" marB="0" anchor="ctr"/>
+                </a:tc>
+                <a:extLst>
+                  <a:ext uri="{0D108BD9-81ED-4DB2-BD59-A6C34878D82A}">
+                    <a16:rowId xmlns:a16="http://schemas.microsoft.com/office/drawing/2014/main" val="3968624083"/>
+                  </a:ext>
+                </a:extLst>
+              </a:tr>
+              <a:tr h="0">
+                <a:tc>
+                  <a:txBody>
+                    <a:bodyPr/>
+                    <a:lstStyle/>
+                    <a:p>
+                      <a:pPr marL="0" marR="0" algn="l">
+                        <a:lnSpc>
+                          <a:spcPct val="107000"/>
+                        </a:lnSpc>
+                        <a:spcBef>
+                          <a:spcPts val="0"/>
+                        </a:spcBef>
+                        <a:spcAft>
+                          <a:spcPts val="0"/>
+                        </a:spcAft>
+                      </a:pPr>
+                      <a:r>
+                        <a:rPr lang="en-US" sz="2400">
+                          <a:effectLst/>
+                        </a:rPr>
+                        <a:t>NIH R01 1</a:t>
+                      </a:r>
+                      <a:r>
+                        <a:rPr lang="en-US" sz="2400" baseline="30000">
+                          <a:effectLst/>
+                        </a:rPr>
+                        <a:t>st</a:t>
+                      </a:r>
+                      <a:r>
+                        <a:rPr lang="en-US" sz="2400">
+                          <a:effectLst/>
+                        </a:rPr>
+                        <a:t> Submission</a:t>
+                      </a:r>
+                      <a:endParaRPr lang="en-US" sz="3200">
+                        <a:effectLst/>
+                        <a:latin typeface="Calibri" panose="020F0502020204030204" pitchFamily="34" charset="0"/>
+                        <a:ea typeface="Calibri" panose="020F0502020204030204" pitchFamily="34" charset="0"/>
+                        <a:cs typeface="Times New Roman" panose="02020603050405020304" pitchFamily="18" charset="0"/>
+                      </a:endParaRPr>
+                    </a:p>
+                  </a:txBody>
+                  <a:tcPr marL="68580" marR="68580" marT="0" marB="0"/>
+                </a:tc>
+                <a:tc>
+                  <a:txBody>
+                    <a:bodyPr/>
+                    <a:lstStyle/>
+                    <a:p>
+                      <a:pPr marL="0" marR="0" algn="l">
+                        <a:lnSpc>
+                          <a:spcPct val="107000"/>
+                        </a:lnSpc>
+                        <a:spcBef>
+                          <a:spcPts val="0"/>
+                        </a:spcBef>
+                        <a:spcAft>
+                          <a:spcPts val="0"/>
+                        </a:spcAft>
+                      </a:pPr>
+                      <a:r>
+                        <a:rPr lang="en-US" sz="2400" dirty="0">
+                          <a:effectLst/>
+                        </a:rPr>
+                        <a:t>09/2021</a:t>
+                      </a:r>
+                      <a:endParaRPr lang="en-US" sz="3200" dirty="0">
+                        <a:effectLst/>
+                        <a:latin typeface="Calibri" panose="020F0502020204030204" pitchFamily="34" charset="0"/>
+                        <a:ea typeface="Calibri" panose="020F0502020204030204" pitchFamily="34" charset="0"/>
+                        <a:cs typeface="Times New Roman" panose="02020603050405020304" pitchFamily="18" charset="0"/>
+                      </a:endParaRPr>
+                    </a:p>
+                  </a:txBody>
+                  <a:tcPr marL="68580" marR="68580" marT="0" marB="0" anchor="ctr"/>
+                </a:tc>
+                <a:extLst>
+                  <a:ext uri="{0D108BD9-81ED-4DB2-BD59-A6C34878D82A}">
+                    <a16:rowId xmlns:a16="http://schemas.microsoft.com/office/drawing/2014/main" val="3928852599"/>
+                  </a:ext>
+                </a:extLst>
+              </a:tr>
+            </a:tbl>
+          </a:graphicData>
+        </a:graphic>
+      </p:graphicFrame>
+    </p:spTree>
+    <p:extLst>
+      <p:ext uri="{BB962C8B-B14F-4D97-AF65-F5344CB8AC3E}">
+        <p14:creationId xmlns:p14="http://schemas.microsoft.com/office/powerpoint/2010/main" val="990441693"/>
+      </p:ext>
+    </p:extLst>
+  </p:cSld>
+  <p:clrMapOvr>
+    <a:masterClrMapping/>
+  </p:clrMapOvr>
+  <p:timing>
+    <p:tnLst>
+      <p:par>
+        <p:cTn id="1" dur="indefinite" restart="never" nodeType="tmRoot"/>
+      </p:par>
+    </p:tnLst>
+  </p:timing>
+</p:sld>
+</file>
+
+<file path=ppt/slides/slide11.xml><?xml version="1.0" encoding="utf-8"?>
+<p:sld xmlns:a="http://schemas.openxmlformats.org/drawingml/2006/main" xmlns:r="http://schemas.openxmlformats.org/officeDocument/2006/relationships" xmlns:p="http://schemas.openxmlformats.org/presentationml/2006/main">
+  <p:cSld>
+    <p:spTree>
+      <p:nvGrpSpPr>
+        <p:cNvPr id="1" name=""/>
+        <p:cNvGrpSpPr/>
+        <p:nvPr/>
+      </p:nvGrpSpPr>
+      <p:grpSpPr>
+        <a:xfrm>
+          <a:off x="0" y="0"/>
+          <a:ext cx="0" cy="0"/>
+          <a:chOff x="0" y="0"/>
+          <a:chExt cx="0" cy="0"/>
+        </a:xfrm>
+      </p:grpSpPr>
+      <p:sp>
+        <p:nvSpPr>
+          <p:cNvPr id="2" name="Title 1"/>
+          <p:cNvSpPr>
+            <a:spLocks noGrp="1"/>
+          </p:cNvSpPr>
+          <p:nvPr>
+            <p:ph type="title"/>
+          </p:nvPr>
+        </p:nvSpPr>
+        <p:spPr>
+          <a:xfrm>
             <a:off x="838200" y="0"/>
             <a:ext cx="10515600" cy="1325563"/>
           </a:xfrm>
@@ -3328,7 +4201,7 @@
 </p:sld>
 </file>
 
-<file path=ppt/slides/slide11.xml><?xml version="1.0" encoding="utf-8"?>
+<file path=ppt/slides/slide12.xml><?xml version="1.0" encoding="utf-8"?>
 <p:sld xmlns:a="http://schemas.openxmlformats.org/drawingml/2006/main" xmlns:r="http://schemas.openxmlformats.org/officeDocument/2006/relationships" xmlns:p="http://schemas.openxmlformats.org/presentationml/2006/main">
   <p:cSld>
     <p:spTree>
@@ -4026,6 +4899,599 @@
       </p:grpSpPr>
       <p:sp>
         <p:nvSpPr>
+          <p:cNvPr id="2" name="Title 1"/>
+          <p:cNvSpPr>
+            <a:spLocks noGrp="1"/>
+          </p:cNvSpPr>
+          <p:nvPr>
+            <p:ph type="title"/>
+          </p:nvPr>
+        </p:nvSpPr>
+        <p:spPr>
+          <a:xfrm>
+            <a:off x="339437" y="274567"/>
+            <a:ext cx="10515600" cy="743238"/>
+          </a:xfrm>
+        </p:spPr>
+        <p:txBody>
+          <a:bodyPr>
+            <a:normAutofit/>
+          </a:bodyPr>
+          <a:lstStyle/>
+          <a:p>
+            <a:r>
+              <a:rPr lang="en-US" sz="3200" dirty="0" err="1" smtClean="0"/>
+              <a:t>RedCap</a:t>
+            </a:r>
+            <a:r>
+              <a:rPr lang="en-US" sz="3200" dirty="0" smtClean="0"/>
+              <a:t> </a:t>
+            </a:r>
+            <a:r>
+              <a:rPr lang="en-US" sz="3200" dirty="0" smtClean="0"/>
+              <a:t>Workflow</a:t>
+            </a:r>
+            <a:endParaRPr lang="en-US" sz="3200" dirty="0"/>
+          </a:p>
+        </p:txBody>
+      </p:sp>
+      <p:sp>
+        <p:nvSpPr>
+          <p:cNvPr id="6" name="Right Arrow 5"/>
+          <p:cNvSpPr/>
+          <p:nvPr/>
+        </p:nvSpPr>
+        <p:spPr>
+          <a:xfrm>
+            <a:off x="2957557" y="2189052"/>
+            <a:ext cx="677333" cy="728133"/>
+          </a:xfrm>
+          <a:prstGeom prst="rightArrow">
+            <a:avLst/>
+          </a:prstGeom>
+        </p:spPr>
+        <p:style>
+          <a:lnRef idx="2">
+            <a:schemeClr val="accent1">
+              <a:shade val="50000"/>
+            </a:schemeClr>
+          </a:lnRef>
+          <a:fillRef idx="1">
+            <a:schemeClr val="accent1"/>
+          </a:fillRef>
+          <a:effectRef idx="0">
+            <a:schemeClr val="accent1"/>
+          </a:effectRef>
+          <a:fontRef idx="minor">
+            <a:schemeClr val="lt1"/>
+          </a:fontRef>
+        </p:style>
+        <p:txBody>
+          <a:bodyPr rtlCol="0" anchor="ctr"/>
+          <a:lstStyle/>
+          <a:p>
+            <a:pPr algn="ctr"/>
+            <a:endParaRPr lang="en-US"/>
+          </a:p>
+        </p:txBody>
+      </p:sp>
+      <p:sp>
+        <p:nvSpPr>
+          <p:cNvPr id="13" name="Right Arrow 12"/>
+          <p:cNvSpPr/>
+          <p:nvPr/>
+        </p:nvSpPr>
+        <p:spPr>
+          <a:xfrm>
+            <a:off x="5597237" y="2189051"/>
+            <a:ext cx="677333" cy="728133"/>
+          </a:xfrm>
+          <a:prstGeom prst="rightArrow">
+            <a:avLst/>
+          </a:prstGeom>
+        </p:spPr>
+        <p:style>
+          <a:lnRef idx="2">
+            <a:schemeClr val="accent1">
+              <a:shade val="50000"/>
+            </a:schemeClr>
+          </a:lnRef>
+          <a:fillRef idx="1">
+            <a:schemeClr val="accent1"/>
+          </a:fillRef>
+          <a:effectRef idx="0">
+            <a:schemeClr val="accent1"/>
+          </a:effectRef>
+          <a:fontRef idx="minor">
+            <a:schemeClr val="lt1"/>
+          </a:fontRef>
+        </p:style>
+        <p:txBody>
+          <a:bodyPr rtlCol="0" anchor="ctr"/>
+          <a:lstStyle/>
+          <a:p>
+            <a:pPr algn="ctr"/>
+            <a:endParaRPr lang="en-US"/>
+          </a:p>
+        </p:txBody>
+      </p:sp>
+      <p:pic>
+        <p:nvPicPr>
+          <p:cNvPr id="1032" name="Picture 8" descr="How the Auth0 Data Team Uses R and Python"/>
+          <p:cNvPicPr>
+            <a:picLocks noChangeAspect="1" noChangeArrowheads="1"/>
+          </p:cNvPicPr>
+          <p:nvPr/>
+        </p:nvPicPr>
+        <p:blipFill rotWithShape="1">
+          <a:blip r:embed="rId2" cstate="print">
+            <a:extLst>
+              <a:ext uri="{28A0092B-C50C-407E-A947-70E740481C1C}">
+                <a14:useLocalDpi xmlns:a14="http://schemas.microsoft.com/office/drawing/2010/main" val="0"/>
+              </a:ext>
+            </a:extLst>
+          </a:blip>
+          <a:srcRect t="26268" r="47074" b="27974"/>
+          <a:stretch/>
+        </p:blipFill>
+        <p:spPr bwMode="auto">
+          <a:xfrm>
+            <a:off x="6383596" y="1588192"/>
+            <a:ext cx="2199036" cy="1929848"/>
+          </a:xfrm>
+          <a:prstGeom prst="rect">
+            <a:avLst/>
+          </a:prstGeom>
+          <a:noFill/>
+          <a:extLst>
+            <a:ext uri="{909E8E84-426E-40DD-AFC4-6F175D3DCCD1}">
+              <a14:hiddenFill xmlns:a14="http://schemas.microsoft.com/office/drawing/2010/main">
+                <a:solidFill>
+                  <a:srgbClr val="FFFFFF"/>
+                </a:solidFill>
+              </a14:hiddenFill>
+            </a:ext>
+          </a:extLst>
+        </p:spPr>
+      </p:pic>
+      <p:sp>
+        <p:nvSpPr>
+          <p:cNvPr id="16" name="Right Arrow 15"/>
+          <p:cNvSpPr/>
+          <p:nvPr/>
+        </p:nvSpPr>
+        <p:spPr>
+          <a:xfrm>
+            <a:off x="8701476" y="2292559"/>
+            <a:ext cx="677333" cy="728133"/>
+          </a:xfrm>
+          <a:prstGeom prst="rightArrow">
+            <a:avLst/>
+          </a:prstGeom>
+        </p:spPr>
+        <p:style>
+          <a:lnRef idx="2">
+            <a:schemeClr val="accent1">
+              <a:shade val="50000"/>
+            </a:schemeClr>
+          </a:lnRef>
+          <a:fillRef idx="1">
+            <a:schemeClr val="accent1"/>
+          </a:fillRef>
+          <a:effectRef idx="0">
+            <a:schemeClr val="accent1"/>
+          </a:effectRef>
+          <a:fontRef idx="minor">
+            <a:schemeClr val="lt1"/>
+          </a:fontRef>
+        </p:style>
+        <p:txBody>
+          <a:bodyPr rtlCol="0" anchor="ctr"/>
+          <a:lstStyle/>
+          <a:p>
+            <a:pPr algn="ctr"/>
+            <a:endParaRPr lang="en-US"/>
+          </a:p>
+        </p:txBody>
+      </p:sp>
+      <p:sp>
+        <p:nvSpPr>
+          <p:cNvPr id="7" name="TextBox 6"/>
+          <p:cNvSpPr txBox="1"/>
+          <p:nvPr/>
+        </p:nvSpPr>
+        <p:spPr>
+          <a:xfrm>
+            <a:off x="9987534" y="3463112"/>
+            <a:ext cx="1653875" cy="369332"/>
+          </a:xfrm>
+          <a:prstGeom prst="rect">
+            <a:avLst/>
+          </a:prstGeom>
+          <a:noFill/>
+        </p:spPr>
+        <p:txBody>
+          <a:bodyPr wrap="square" rtlCol="0">
+            <a:spAutoFit/>
+          </a:bodyPr>
+          <a:lstStyle/>
+          <a:p>
+            <a:pPr algn="ctr"/>
+            <a:r>
+              <a:rPr lang="en-US" dirty="0" smtClean="0"/>
+              <a:t>Build Report</a:t>
+            </a:r>
+            <a:endParaRPr lang="en-US" dirty="0"/>
+          </a:p>
+        </p:txBody>
+      </p:sp>
+      <p:sp>
+        <p:nvSpPr>
+          <p:cNvPr id="18" name="TextBox 17"/>
+          <p:cNvSpPr txBox="1"/>
+          <p:nvPr/>
+        </p:nvSpPr>
+        <p:spPr>
+          <a:xfrm>
+            <a:off x="6456963" y="3532071"/>
+            <a:ext cx="2199037" cy="369332"/>
+          </a:xfrm>
+          <a:prstGeom prst="rect">
+            <a:avLst/>
+          </a:prstGeom>
+          <a:noFill/>
+        </p:spPr>
+        <p:txBody>
+          <a:bodyPr wrap="square" rtlCol="0">
+            <a:spAutoFit/>
+          </a:bodyPr>
+          <a:lstStyle/>
+          <a:p>
+            <a:pPr algn="ctr"/>
+            <a:r>
+              <a:rPr lang="en-US" dirty="0" smtClean="0"/>
+              <a:t>Format Data</a:t>
+            </a:r>
+            <a:endParaRPr lang="en-US" dirty="0"/>
+          </a:p>
+        </p:txBody>
+      </p:sp>
+      <p:sp>
+        <p:nvSpPr>
+          <p:cNvPr id="19" name="TextBox 18"/>
+          <p:cNvSpPr txBox="1"/>
+          <p:nvPr/>
+        </p:nvSpPr>
+        <p:spPr>
+          <a:xfrm>
+            <a:off x="339437" y="3639498"/>
+            <a:ext cx="2199037" cy="369332"/>
+          </a:xfrm>
+          <a:prstGeom prst="rect">
+            <a:avLst/>
+          </a:prstGeom>
+          <a:noFill/>
+        </p:spPr>
+        <p:txBody>
+          <a:bodyPr wrap="square" rtlCol="0">
+            <a:spAutoFit/>
+          </a:bodyPr>
+          <a:lstStyle/>
+          <a:p>
+            <a:pPr algn="ctr"/>
+            <a:r>
+              <a:rPr lang="en-US" dirty="0" err="1" smtClean="0"/>
+              <a:t>Teamtat</a:t>
+            </a:r>
+            <a:endParaRPr lang="en-US" dirty="0"/>
+          </a:p>
+        </p:txBody>
+      </p:sp>
+      <p:pic>
+        <p:nvPicPr>
+          <p:cNvPr id="1028" name="Picture 4" descr="REDCap - Services - UTH BIG - The University of Texas Health Science Center  at Houston (UTHealth) School of Biomedical Informatics"/>
+          <p:cNvPicPr>
+            <a:picLocks noChangeAspect="1" noChangeArrowheads="1"/>
+          </p:cNvPicPr>
+          <p:nvPr/>
+        </p:nvPicPr>
+        <p:blipFill rotWithShape="1">
+          <a:blip r:embed="rId3">
+            <a:extLst>
+              <a:ext uri="{28A0092B-C50C-407E-A947-70E740481C1C}">
+                <a14:useLocalDpi xmlns:a14="http://schemas.microsoft.com/office/drawing/2010/main" val="0"/>
+              </a:ext>
+            </a:extLst>
+          </a:blip>
+          <a:srcRect l="9438" t="16281" r="7423" b="19225"/>
+          <a:stretch/>
+        </p:blipFill>
+        <p:spPr bwMode="auto">
+          <a:xfrm>
+            <a:off x="408637" y="2333324"/>
+            <a:ext cx="2249223" cy="714039"/>
+          </a:xfrm>
+          <a:prstGeom prst="rect">
+            <a:avLst/>
+          </a:prstGeom>
+          <a:noFill/>
+          <a:extLst>
+            <a:ext uri="{909E8E84-426E-40DD-AFC4-6F175D3DCCD1}">
+              <a14:hiddenFill xmlns:a14="http://schemas.microsoft.com/office/drawing/2010/main">
+                <a:solidFill>
+                  <a:srgbClr val="FFFFFF"/>
+                </a:solidFill>
+              </a14:hiddenFill>
+            </a:ext>
+          </a:extLst>
+        </p:spPr>
+      </p:pic>
+      <p:pic>
+        <p:nvPicPr>
+          <p:cNvPr id="4" name="Picture 6" descr="Overall Branding Guidelines » Clinical and Translational Science Institute  » University of Florida"/>
+          <p:cNvPicPr>
+            <a:picLocks noChangeAspect="1" noChangeArrowheads="1"/>
+          </p:cNvPicPr>
+          <p:nvPr/>
+        </p:nvPicPr>
+        <p:blipFill>
+          <a:blip r:embed="rId4" cstate="print">
+            <a:extLst>
+              <a:ext uri="{28A0092B-C50C-407E-A947-70E740481C1C}">
+                <a14:useLocalDpi xmlns:a14="http://schemas.microsoft.com/office/drawing/2010/main" val="0"/>
+              </a:ext>
+            </a:extLst>
+          </a:blip>
+          <a:srcRect/>
+          <a:stretch>
+            <a:fillRect/>
+          </a:stretch>
+        </p:blipFill>
+        <p:spPr bwMode="auto">
+          <a:xfrm>
+            <a:off x="628363" y="1625969"/>
+            <a:ext cx="2070706" cy="458836"/>
+          </a:xfrm>
+          <a:prstGeom prst="rect">
+            <a:avLst/>
+          </a:prstGeom>
+          <a:noFill/>
+          <a:extLst>
+            <a:ext uri="{909E8E84-426E-40DD-AFC4-6F175D3DCCD1}">
+              <a14:hiddenFill xmlns:a14="http://schemas.microsoft.com/office/drawing/2010/main">
+                <a:solidFill>
+                  <a:srgbClr val="FFFFFF"/>
+                </a:solidFill>
+              </a14:hiddenFill>
+            </a:ext>
+          </a:extLst>
+        </p:spPr>
+      </p:pic>
+      <p:sp>
+        <p:nvSpPr>
+          <p:cNvPr id="5" name="Rounded Rectangle 4"/>
+          <p:cNvSpPr/>
+          <p:nvPr/>
+        </p:nvSpPr>
+        <p:spPr>
+          <a:xfrm>
+            <a:off x="430061" y="1399576"/>
+            <a:ext cx="2415396" cy="2205486"/>
+          </a:xfrm>
+          <a:prstGeom prst="roundRect">
+            <a:avLst/>
+          </a:prstGeom>
+          <a:noFill/>
+          <a:ln w="38100">
+            <a:solidFill>
+              <a:schemeClr val="tx1"/>
+            </a:solidFill>
+          </a:ln>
+        </p:spPr>
+        <p:style>
+          <a:lnRef idx="2">
+            <a:schemeClr val="accent1">
+              <a:shade val="50000"/>
+            </a:schemeClr>
+          </a:lnRef>
+          <a:fillRef idx="1">
+            <a:schemeClr val="accent1"/>
+          </a:fillRef>
+          <a:effectRef idx="0">
+            <a:schemeClr val="accent1"/>
+          </a:effectRef>
+          <a:fontRef idx="minor">
+            <a:schemeClr val="lt1"/>
+          </a:fontRef>
+        </p:style>
+        <p:txBody>
+          <a:bodyPr rtlCol="0" anchor="ctr"/>
+          <a:lstStyle/>
+          <a:p>
+            <a:pPr algn="ctr"/>
+            <a:endParaRPr lang="en-US"/>
+          </a:p>
+        </p:txBody>
+      </p:sp>
+      <p:sp>
+        <p:nvSpPr>
+          <p:cNvPr id="12" name="Oval 11"/>
+          <p:cNvSpPr/>
+          <p:nvPr/>
+        </p:nvSpPr>
+        <p:spPr>
+          <a:xfrm>
+            <a:off x="3699420" y="1865923"/>
+            <a:ext cx="1524646" cy="1374387"/>
+          </a:xfrm>
+          <a:prstGeom prst="ellipse">
+            <a:avLst/>
+          </a:prstGeom>
+          <a:noFill/>
+          <a:ln w="38100">
+            <a:solidFill>
+              <a:schemeClr val="tx1"/>
+            </a:solidFill>
+          </a:ln>
+        </p:spPr>
+        <p:style>
+          <a:lnRef idx="2">
+            <a:schemeClr val="accent1">
+              <a:shade val="50000"/>
+            </a:schemeClr>
+          </a:lnRef>
+          <a:fillRef idx="1">
+            <a:schemeClr val="accent1"/>
+          </a:fillRef>
+          <a:effectRef idx="0">
+            <a:schemeClr val="accent1"/>
+          </a:effectRef>
+          <a:fontRef idx="minor">
+            <a:schemeClr val="lt1"/>
+          </a:fontRef>
+        </p:style>
+        <p:txBody>
+          <a:bodyPr rtlCol="0" anchor="ctr"/>
+          <a:lstStyle/>
+          <a:p>
+            <a:pPr algn="ctr"/>
+            <a:endParaRPr lang="en-US"/>
+          </a:p>
+        </p:txBody>
+      </p:sp>
+      <p:sp>
+        <p:nvSpPr>
+          <p:cNvPr id="14" name="TextBox 13"/>
+          <p:cNvSpPr txBox="1"/>
+          <p:nvPr/>
+        </p:nvSpPr>
+        <p:spPr>
+          <a:xfrm>
+            <a:off x="3925851" y="2029916"/>
+            <a:ext cx="1154150" cy="830997"/>
+          </a:xfrm>
+          <a:prstGeom prst="rect">
+            <a:avLst/>
+          </a:prstGeom>
+          <a:noFill/>
+        </p:spPr>
+        <p:txBody>
+          <a:bodyPr wrap="square" rtlCol="0">
+            <a:spAutoFit/>
+          </a:bodyPr>
+          <a:lstStyle/>
+          <a:p>
+            <a:pPr algn="ctr"/>
+            <a:r>
+              <a:rPr lang="en-US" sz="2400" dirty="0" smtClean="0"/>
+              <a:t>API System</a:t>
+            </a:r>
+            <a:endParaRPr lang="en-US" sz="2400" dirty="0"/>
+          </a:p>
+        </p:txBody>
+      </p:sp>
+      <p:sp>
+        <p:nvSpPr>
+          <p:cNvPr id="23" name="TextBox 22"/>
+          <p:cNvSpPr txBox="1"/>
+          <p:nvPr/>
+        </p:nvSpPr>
+        <p:spPr>
+          <a:xfrm>
+            <a:off x="3398200" y="3278446"/>
+            <a:ext cx="2199037" cy="369332"/>
+          </a:xfrm>
+          <a:prstGeom prst="rect">
+            <a:avLst/>
+          </a:prstGeom>
+          <a:noFill/>
+        </p:spPr>
+        <p:txBody>
+          <a:bodyPr wrap="square" rtlCol="0">
+            <a:spAutoFit/>
+          </a:bodyPr>
+          <a:lstStyle/>
+          <a:p>
+            <a:pPr algn="ctr"/>
+            <a:r>
+              <a:rPr lang="en-US" dirty="0" smtClean="0"/>
+              <a:t>Extract Data</a:t>
+            </a:r>
+            <a:endParaRPr lang="en-US" dirty="0"/>
+          </a:p>
+        </p:txBody>
+      </p:sp>
+      <p:pic>
+        <p:nvPicPr>
+          <p:cNvPr id="17" name="Picture 10" descr="Computer Icons Analytics Data analysis, symbol, text, logo png | PNGEgg"/>
+          <p:cNvPicPr>
+            <a:picLocks noChangeAspect="1" noChangeArrowheads="1"/>
+          </p:cNvPicPr>
+          <p:nvPr/>
+        </p:nvPicPr>
+        <p:blipFill rotWithShape="1">
+          <a:blip r:embed="rId5" cstate="print">
+            <a:extLst>
+              <a:ext uri="{28A0092B-C50C-407E-A947-70E740481C1C}">
+                <a14:useLocalDpi xmlns:a14="http://schemas.microsoft.com/office/drawing/2010/main" val="0"/>
+              </a:ext>
+            </a:extLst>
+          </a:blip>
+          <a:srcRect l="17194" t="7067" r="18085"/>
+          <a:stretch/>
+        </p:blipFill>
+        <p:spPr bwMode="auto">
+          <a:xfrm>
+            <a:off x="9690442" y="1625969"/>
+            <a:ext cx="2248061" cy="1836364"/>
+          </a:xfrm>
+          <a:prstGeom prst="rect">
+            <a:avLst/>
+          </a:prstGeom>
+          <a:noFill/>
+          <a:extLst>
+            <a:ext uri="{909E8E84-426E-40DD-AFC4-6F175D3DCCD1}">
+              <a14:hiddenFill xmlns:a14="http://schemas.microsoft.com/office/drawing/2010/main">
+                <a:solidFill>
+                  <a:srgbClr val="FFFFFF"/>
+                </a:solidFill>
+              </a14:hiddenFill>
+            </a:ext>
+          </a:extLst>
+        </p:spPr>
+      </p:pic>
+    </p:spTree>
+    <p:extLst>
+      <p:ext uri="{BB962C8B-B14F-4D97-AF65-F5344CB8AC3E}">
+        <p14:creationId xmlns:p14="http://schemas.microsoft.com/office/powerpoint/2010/main" val="1157776440"/>
+      </p:ext>
+    </p:extLst>
+  </p:cSld>
+  <p:clrMapOvr>
+    <a:masterClrMapping/>
+  </p:clrMapOvr>
+</p:sld>
+</file>
+
+<file path=ppt/slides/slide4.xml><?xml version="1.0" encoding="utf-8"?>
+<p:sld xmlns:a="http://schemas.openxmlformats.org/drawingml/2006/main" xmlns:r="http://schemas.openxmlformats.org/officeDocument/2006/relationships" xmlns:p="http://schemas.openxmlformats.org/presentationml/2006/main">
+  <p:cSld>
+    <p:spTree>
+      <p:nvGrpSpPr>
+        <p:cNvPr id="1" name=""/>
+        <p:cNvGrpSpPr/>
+        <p:nvPr/>
+      </p:nvGrpSpPr>
+      <p:grpSpPr>
+        <a:xfrm>
+          <a:off x="0" y="0"/>
+          <a:ext cx="0" cy="0"/>
+          <a:chOff x="0" y="0"/>
+          <a:chExt cx="0" cy="0"/>
+        </a:xfrm>
+      </p:grpSpPr>
+      <p:sp>
+        <p:nvSpPr>
           <p:cNvPr id="2" name="TextBox 1">
             <a:extLst>
               <a:ext uri="{FF2B5EF4-FFF2-40B4-BE49-F238E27FC236}">
@@ -4119,7 +5585,7 @@
 </p:sld>
 </file>
 
-<file path=ppt/slides/slide4.xml><?xml version="1.0" encoding="utf-8"?>
+<file path=ppt/slides/slide5.xml><?xml version="1.0" encoding="utf-8"?>
 <p:sld xmlns:a="http://schemas.openxmlformats.org/drawingml/2006/main" xmlns:r="http://schemas.openxmlformats.org/officeDocument/2006/relationships" xmlns:p="http://schemas.openxmlformats.org/presentationml/2006/main">
   <p:cSld>
     <p:spTree>
@@ -4303,7 +5769,7 @@
 </p:sld>
 </file>
 
-<file path=ppt/slides/slide5.xml><?xml version="1.0" encoding="utf-8"?>
+<file path=ppt/slides/slide6.xml><?xml version="1.0" encoding="utf-8"?>
 <p:sld xmlns:a="http://schemas.openxmlformats.org/drawingml/2006/main" xmlns:r="http://schemas.openxmlformats.org/officeDocument/2006/relationships" xmlns:p="http://schemas.openxmlformats.org/presentationml/2006/main">
   <p:cSld>
     <p:spTree>
@@ -4498,7 +5964,7 @@
 </p:sld>
 </file>
 
-<file path=ppt/slides/slide6.xml><?xml version="1.0" encoding="utf-8"?>
+<file path=ppt/slides/slide7.xml><?xml version="1.0" encoding="utf-8"?>
 <p:sld xmlns:a="http://schemas.openxmlformats.org/drawingml/2006/main" xmlns:r="http://schemas.openxmlformats.org/officeDocument/2006/relationships" xmlns:p="http://schemas.openxmlformats.org/presentationml/2006/main">
   <p:cSld>
     <p:spTree>
@@ -5185,7 +6651,7 @@
 </p:sld>
 </file>
 
-<file path=ppt/slides/slide7.xml><?xml version="1.0" encoding="utf-8"?>
+<file path=ppt/slides/slide8.xml><?xml version="1.0" encoding="utf-8"?>
 <p:sld xmlns:a="http://schemas.openxmlformats.org/drawingml/2006/main" xmlns:r="http://schemas.openxmlformats.org/officeDocument/2006/relationships" xmlns:p="http://schemas.openxmlformats.org/presentationml/2006/main">
   <p:cSld>
     <p:spTree>
@@ -5377,231 +6843,6 @@
 </p:sld>
 </file>
 
-<file path=ppt/slides/slide8.xml><?xml version="1.0" encoding="utf-8"?>
-<p:sld xmlns:a="http://schemas.openxmlformats.org/drawingml/2006/main" xmlns:r="http://schemas.openxmlformats.org/officeDocument/2006/relationships" xmlns:p="http://schemas.openxmlformats.org/presentationml/2006/main">
-  <p:cSld>
-    <p:spTree>
-      <p:nvGrpSpPr>
-        <p:cNvPr id="1" name=""/>
-        <p:cNvGrpSpPr/>
-        <p:nvPr/>
-      </p:nvGrpSpPr>
-      <p:grpSpPr>
-        <a:xfrm>
-          <a:off x="0" y="0"/>
-          <a:ext cx="0" cy="0"/>
-          <a:chOff x="0" y="0"/>
-          <a:chExt cx="0" cy="0"/>
-        </a:xfrm>
-      </p:grpSpPr>
-      <p:sp>
-        <p:nvSpPr>
-          <p:cNvPr id="2" name="Title 1"/>
-          <p:cNvSpPr>
-            <a:spLocks noGrp="1"/>
-          </p:cNvSpPr>
-          <p:nvPr>
-            <p:ph type="title"/>
-          </p:nvPr>
-        </p:nvSpPr>
-        <p:spPr>
-          <a:xfrm>
-            <a:off x="838200" y="189782"/>
-            <a:ext cx="10515600" cy="905684"/>
-          </a:xfrm>
-        </p:spPr>
-        <p:txBody>
-          <a:bodyPr/>
-          <a:lstStyle/>
-          <a:p>
-            <a:r>
-              <a:rPr lang="en-US" dirty="0" smtClean="0"/>
-              <a:t>Milestones</a:t>
-            </a:r>
-            <a:endParaRPr lang="en-US" dirty="0"/>
-          </a:p>
-        </p:txBody>
-      </p:sp>
-      <p:sp>
-        <p:nvSpPr>
-          <p:cNvPr id="3" name="Content Placeholder 2"/>
-          <p:cNvSpPr>
-            <a:spLocks noGrp="1"/>
-          </p:cNvSpPr>
-          <p:nvPr>
-            <p:ph idx="1"/>
-          </p:nvPr>
-        </p:nvSpPr>
-        <p:spPr>
-          <a:xfrm>
-            <a:off x="838200" y="1213149"/>
-            <a:ext cx="10515600" cy="5377431"/>
-          </a:xfrm>
-        </p:spPr>
-        <p:txBody>
-          <a:bodyPr>
-            <a:normAutofit fontScale="92500" lnSpcReduction="20000"/>
-          </a:bodyPr>
-          <a:lstStyle/>
-          <a:p>
-            <a:pPr marL="0" indent="0">
-              <a:buNone/>
-            </a:pPr>
-            <a:r>
-              <a:rPr lang="en-US" b="1" dirty="0" smtClean="0"/>
-              <a:t>IRB Approval </a:t>
-            </a:r>
-          </a:p>
-          <a:p>
-            <a:pPr marL="0" indent="0">
-              <a:buNone/>
-            </a:pPr>
-            <a:r>
-              <a:rPr lang="en-US" b="1" dirty="0" smtClean="0"/>
-              <a:t>Data Extraction (16K infants): </a:t>
-            </a:r>
-          </a:p>
-          <a:p>
-            <a:pPr lvl="1"/>
-            <a:r>
-              <a:rPr lang="en-US" dirty="0" smtClean="0"/>
-              <a:t>2011-April 2017 </a:t>
-            </a:r>
-          </a:p>
-          <a:p>
-            <a:pPr lvl="1"/>
-            <a:r>
-              <a:rPr lang="en-US" dirty="0" err="1" smtClean="0"/>
-              <a:t>Zipcode</a:t>
-            </a:r>
-            <a:r>
-              <a:rPr lang="en-US" dirty="0" smtClean="0"/>
-              <a:t> at delivery </a:t>
-            </a:r>
-          </a:p>
-          <a:p>
-            <a:pPr lvl="1"/>
-            <a:r>
-              <a:rPr lang="en-US" dirty="0"/>
-              <a:t>N</a:t>
-            </a:r>
-            <a:r>
-              <a:rPr lang="en-US" dirty="0" smtClean="0"/>
-              <a:t>otes at delivery (600K+)</a:t>
-            </a:r>
-          </a:p>
-          <a:p>
-            <a:pPr marL="0" indent="0">
-              <a:buNone/>
-            </a:pPr>
-            <a:r>
-              <a:rPr lang="en-US" b="1" dirty="0" smtClean="0"/>
-              <a:t>Data Storage:</a:t>
-            </a:r>
-          </a:p>
-          <a:p>
-            <a:pPr lvl="1"/>
-            <a:r>
-              <a:rPr lang="en-US" dirty="0" smtClean="0"/>
-              <a:t>UFRC for clinical notes</a:t>
-            </a:r>
-          </a:p>
-          <a:p>
-            <a:pPr lvl="1"/>
-            <a:r>
-              <a:rPr lang="en-US" dirty="0" smtClean="0"/>
-              <a:t>Redcap for mom-baby link EHR</a:t>
-            </a:r>
-          </a:p>
-          <a:p>
-            <a:pPr marL="0" indent="0">
-              <a:buNone/>
-            </a:pPr>
-            <a:r>
-              <a:rPr lang="en-US" b="1" dirty="0" smtClean="0"/>
-              <a:t>Publication(s):</a:t>
-            </a:r>
-          </a:p>
-          <a:p>
-            <a:pPr lvl="1"/>
-            <a:r>
-              <a:rPr lang="en-US" dirty="0" smtClean="0"/>
-              <a:t>Pediatric </a:t>
-            </a:r>
-            <a:r>
-              <a:rPr lang="en-US" dirty="0"/>
-              <a:t>antibiotic episodes are not associated with mode of delivery (n=4,024, p=0.08) in </a:t>
-            </a:r>
-            <a:r>
-              <a:rPr lang="en-US" dirty="0" err="1"/>
-              <a:t>UFHealth</a:t>
-            </a:r>
-            <a:r>
-              <a:rPr lang="en-US" dirty="0"/>
-              <a:t> EHR. </a:t>
-            </a:r>
-            <a:r>
-              <a:rPr lang="en-US" i="1" dirty="0"/>
-              <a:t>Lemas et al. 2020. 15(3):e0229861</a:t>
-            </a:r>
-            <a:endParaRPr lang="en-US" dirty="0"/>
-          </a:p>
-          <a:p>
-            <a:pPr marL="0" indent="0">
-              <a:buNone/>
-            </a:pPr>
-            <a:r>
-              <a:rPr lang="en-US" b="1" dirty="0" smtClean="0"/>
-              <a:t>Students:</a:t>
-            </a:r>
-          </a:p>
-          <a:p>
-            <a:pPr lvl="1"/>
-            <a:r>
-              <a:rPr lang="en-US" dirty="0" smtClean="0"/>
-              <a:t>BMI Masters student working on NLP classifier.</a:t>
-            </a:r>
-          </a:p>
-          <a:p>
-            <a:pPr lvl="1"/>
-            <a:r>
-              <a:rPr lang="en-US" dirty="0" smtClean="0"/>
-              <a:t>BMI PhD students that can help with data management/analysis.</a:t>
-            </a:r>
-          </a:p>
-          <a:p>
-            <a:pPr lvl="1"/>
-            <a:r>
-              <a:rPr lang="en-US" dirty="0" smtClean="0"/>
-              <a:t>Grad students from other labs.</a:t>
-            </a:r>
-          </a:p>
-          <a:p>
-            <a:pPr lvl="1"/>
-            <a:endParaRPr lang="en-US" dirty="0"/>
-          </a:p>
-        </p:txBody>
-      </p:sp>
-    </p:spTree>
-    <p:extLst>
-      <p:ext uri="{BB962C8B-B14F-4D97-AF65-F5344CB8AC3E}">
-        <p14:creationId xmlns:p14="http://schemas.microsoft.com/office/powerpoint/2010/main" val="1662915728"/>
-      </p:ext>
-    </p:extLst>
-  </p:cSld>
-  <p:clrMapOvr>
-    <a:masterClrMapping/>
-  </p:clrMapOvr>
-  <p:timing>
-    <p:tnLst>
-      <p:par>
-        <p:cTn id="1" dur="indefinite" restart="never" nodeType="tmRoot"/>
-      </p:par>
-    </p:tnLst>
-  </p:timing>
-</p:sld>
-</file>
-
 <file path=ppt/slides/slide9.xml><?xml version="1.0" encoding="utf-8"?>
 <p:sld xmlns:a="http://schemas.openxmlformats.org/drawingml/2006/main" xmlns:r="http://schemas.openxmlformats.org/officeDocument/2006/relationships" xmlns:p="http://schemas.openxmlformats.org/presentationml/2006/main">
   <p:cSld>
@@ -5631,8 +6872,8 @@
         </p:nvSpPr>
         <p:spPr>
           <a:xfrm>
-            <a:off x="648419" y="0"/>
-            <a:ext cx="10515600" cy="1325563"/>
+            <a:off x="838200" y="189782"/>
+            <a:ext cx="10515600" cy="905684"/>
           </a:xfrm>
         </p:spPr>
         <p:txBody>
@@ -5641,823 +6882,176 @@
           <a:p>
             <a:r>
               <a:rPr lang="en-US" dirty="0" smtClean="0"/>
-              <a:t>Project Timeline</a:t>
+              <a:t>Milestones</a:t>
             </a:r>
             <a:endParaRPr lang="en-US" dirty="0"/>
           </a:p>
         </p:txBody>
       </p:sp>
-      <p:graphicFrame>
-        <p:nvGraphicFramePr>
-          <p:cNvPr id="4" name="Table 3"/>
-          <p:cNvGraphicFramePr>
-            <a:graphicFrameLocks noGrp="1"/>
-          </p:cNvGraphicFramePr>
-          <p:nvPr>
-            <p:extLst>
-              <p:ext uri="{D42A27DB-BD31-4B8C-83A1-F6EECF244321}">
-                <p14:modId xmlns:p14="http://schemas.microsoft.com/office/powerpoint/2010/main" val="3643318759"/>
-              </p:ext>
-            </p:extLst>
-          </p:nvPr>
-        </p:nvGraphicFramePr>
-        <p:xfrm>
-          <a:off x="760052" y="1246679"/>
-          <a:ext cx="9565765" cy="5087559"/>
-        </p:xfrm>
-        <a:graphic>
-          <a:graphicData uri="http://schemas.openxmlformats.org/drawingml/2006/table">
-            <a:tbl>
-              <a:tblPr firstRow="1" firstCol="1" bandRow="1">
-                <a:tableStyleId>{5C22544A-7EE6-4342-B048-85BDC9FD1C3A}</a:tableStyleId>
-              </a:tblPr>
-              <a:tblGrid>
-                <a:gridCol w="6165936">
-                  <a:extLst>
-                    <a:ext uri="{9D8B030D-6E8A-4147-A177-3AD203B41FA5}">
-                      <a16:colId xmlns:a16="http://schemas.microsoft.com/office/drawing/2014/main" val="2614237237"/>
-                    </a:ext>
-                  </a:extLst>
-                </a:gridCol>
-                <a:gridCol w="3399829">
-                  <a:extLst>
-                    <a:ext uri="{9D8B030D-6E8A-4147-A177-3AD203B41FA5}">
-                      <a16:colId xmlns:a16="http://schemas.microsoft.com/office/drawing/2014/main" val="2576015793"/>
-                    </a:ext>
-                  </a:extLst>
-                </a:gridCol>
-              </a:tblGrid>
-              <a:tr h="0">
-                <a:tc>
-                  <a:txBody>
-                    <a:bodyPr/>
-                    <a:lstStyle/>
-                    <a:p>
-                      <a:pPr marL="0" marR="0" algn="l">
-                        <a:lnSpc>
-                          <a:spcPct val="107000"/>
-                        </a:lnSpc>
-                        <a:spcBef>
-                          <a:spcPts val="0"/>
-                        </a:spcBef>
-                        <a:spcAft>
-                          <a:spcPts val="0"/>
-                        </a:spcAft>
-                      </a:pPr>
-                      <a:r>
-                        <a:rPr lang="en-US" sz="2400" dirty="0">
-                          <a:effectLst/>
-                        </a:rPr>
-                        <a:t>Task</a:t>
-                      </a:r>
-                      <a:endParaRPr lang="en-US" sz="3200" dirty="0">
-                        <a:effectLst/>
-                        <a:latin typeface="Calibri" panose="020F0502020204030204" pitchFamily="34" charset="0"/>
-                        <a:ea typeface="Calibri" panose="020F0502020204030204" pitchFamily="34" charset="0"/>
-                        <a:cs typeface="Times New Roman" panose="02020603050405020304" pitchFamily="18" charset="0"/>
-                      </a:endParaRPr>
-                    </a:p>
-                  </a:txBody>
-                  <a:tcPr marL="68580" marR="68580" marT="0" marB="0"/>
-                </a:tc>
-                <a:tc>
-                  <a:txBody>
-                    <a:bodyPr/>
-                    <a:lstStyle/>
-                    <a:p>
-                      <a:pPr marL="0" marR="0" algn="l">
-                        <a:lnSpc>
-                          <a:spcPct val="107000"/>
-                        </a:lnSpc>
-                        <a:spcBef>
-                          <a:spcPts val="0"/>
-                        </a:spcBef>
-                        <a:spcAft>
-                          <a:spcPts val="0"/>
-                        </a:spcAft>
-                      </a:pPr>
-                      <a:r>
-                        <a:rPr lang="en-US" sz="2400">
-                          <a:effectLst/>
-                        </a:rPr>
-                        <a:t>Date of Completion</a:t>
-                      </a:r>
-                      <a:endParaRPr lang="en-US" sz="3200">
-                        <a:effectLst/>
-                        <a:latin typeface="Calibri" panose="020F0502020204030204" pitchFamily="34" charset="0"/>
-                        <a:ea typeface="Calibri" panose="020F0502020204030204" pitchFamily="34" charset="0"/>
-                        <a:cs typeface="Times New Roman" panose="02020603050405020304" pitchFamily="18" charset="0"/>
-                      </a:endParaRPr>
-                    </a:p>
-                  </a:txBody>
-                  <a:tcPr marL="68580" marR="68580" marT="0" marB="0" anchor="ctr"/>
-                </a:tc>
-                <a:extLst>
-                  <a:ext uri="{0D108BD9-81ED-4DB2-BD59-A6C34878D82A}">
-                    <a16:rowId xmlns:a16="http://schemas.microsoft.com/office/drawing/2014/main" val="709183120"/>
-                  </a:ext>
-                </a:extLst>
-              </a:tr>
-              <a:tr h="0">
-                <a:tc>
-                  <a:txBody>
-                    <a:bodyPr/>
-                    <a:lstStyle/>
-                    <a:p>
-                      <a:pPr marL="0" marR="0" algn="l">
-                        <a:lnSpc>
-                          <a:spcPct val="107000"/>
-                        </a:lnSpc>
-                        <a:spcBef>
-                          <a:spcPts val="0"/>
-                        </a:spcBef>
-                        <a:spcAft>
-                          <a:spcPts val="0"/>
-                        </a:spcAft>
-                      </a:pPr>
-                      <a:r>
-                        <a:rPr lang="en-US" sz="2400" dirty="0">
-                          <a:effectLst/>
-                        </a:rPr>
-                        <a:t>IRB-Approval</a:t>
-                      </a:r>
-                      <a:endParaRPr lang="en-US" sz="3200" dirty="0">
-                        <a:effectLst/>
-                        <a:latin typeface="Calibri" panose="020F0502020204030204" pitchFamily="34" charset="0"/>
-                        <a:ea typeface="Calibri" panose="020F0502020204030204" pitchFamily="34" charset="0"/>
-                        <a:cs typeface="Times New Roman" panose="02020603050405020304" pitchFamily="18" charset="0"/>
-                      </a:endParaRPr>
-                    </a:p>
-                  </a:txBody>
-                  <a:tcPr marL="68580" marR="68580" marT="0" marB="0"/>
-                </a:tc>
-                <a:tc>
-                  <a:txBody>
-                    <a:bodyPr/>
-                    <a:lstStyle/>
-                    <a:p>
-                      <a:pPr marL="0" marR="0" algn="l">
-                        <a:lnSpc>
-                          <a:spcPct val="107000"/>
-                        </a:lnSpc>
-                        <a:spcBef>
-                          <a:spcPts val="0"/>
-                        </a:spcBef>
-                        <a:spcAft>
-                          <a:spcPts val="0"/>
-                        </a:spcAft>
-                      </a:pPr>
-                      <a:r>
-                        <a:rPr lang="en-US" sz="2400">
-                          <a:effectLst/>
-                        </a:rPr>
-                        <a:t>11/03/2016</a:t>
-                      </a:r>
-                      <a:endParaRPr lang="en-US" sz="3200">
-                        <a:effectLst/>
-                        <a:latin typeface="Calibri" panose="020F0502020204030204" pitchFamily="34" charset="0"/>
-                        <a:ea typeface="Calibri" panose="020F0502020204030204" pitchFamily="34" charset="0"/>
-                        <a:cs typeface="Times New Roman" panose="02020603050405020304" pitchFamily="18" charset="0"/>
-                      </a:endParaRPr>
-                    </a:p>
-                  </a:txBody>
-                  <a:tcPr marL="68580" marR="68580" marT="0" marB="0" anchor="ctr"/>
-                </a:tc>
-                <a:extLst>
-                  <a:ext uri="{0D108BD9-81ED-4DB2-BD59-A6C34878D82A}">
-                    <a16:rowId xmlns:a16="http://schemas.microsoft.com/office/drawing/2014/main" val="1084821198"/>
-                  </a:ext>
-                </a:extLst>
-              </a:tr>
-              <a:tr h="0">
-                <a:tc>
-                  <a:txBody>
-                    <a:bodyPr/>
-                    <a:lstStyle/>
-                    <a:p>
-                      <a:pPr marL="0" marR="0" algn="l">
-                        <a:lnSpc>
-                          <a:spcPct val="107000"/>
-                        </a:lnSpc>
-                        <a:spcBef>
-                          <a:spcPts val="0"/>
-                        </a:spcBef>
-                        <a:spcAft>
-                          <a:spcPts val="0"/>
-                        </a:spcAft>
-                      </a:pPr>
-                      <a:r>
-                        <a:rPr lang="en-US" sz="2400" dirty="0">
-                          <a:effectLst/>
-                        </a:rPr>
-                        <a:t>IDR Data Extraction</a:t>
-                      </a:r>
-                      <a:endParaRPr lang="en-US" sz="3200" dirty="0">
-                        <a:effectLst/>
-                        <a:latin typeface="Calibri" panose="020F0502020204030204" pitchFamily="34" charset="0"/>
-                        <a:ea typeface="Calibri" panose="020F0502020204030204" pitchFamily="34" charset="0"/>
-                        <a:cs typeface="Times New Roman" panose="02020603050405020304" pitchFamily="18" charset="0"/>
-                      </a:endParaRPr>
-                    </a:p>
-                  </a:txBody>
-                  <a:tcPr marL="68580" marR="68580" marT="0" marB="0"/>
-                </a:tc>
-                <a:tc>
-                  <a:txBody>
-                    <a:bodyPr/>
-                    <a:lstStyle/>
-                    <a:p>
-                      <a:pPr marL="0" marR="0" algn="l">
-                        <a:lnSpc>
-                          <a:spcPct val="107000"/>
-                        </a:lnSpc>
-                        <a:spcBef>
-                          <a:spcPts val="0"/>
-                        </a:spcBef>
-                        <a:spcAft>
-                          <a:spcPts val="0"/>
-                        </a:spcAft>
-                      </a:pPr>
-                      <a:r>
-                        <a:rPr lang="en-US" sz="2400" dirty="0">
-                          <a:effectLst/>
-                        </a:rPr>
-                        <a:t>09/2020</a:t>
-                      </a:r>
-                      <a:endParaRPr lang="en-US" sz="3200" dirty="0">
-                        <a:effectLst/>
-                        <a:latin typeface="Calibri" panose="020F0502020204030204" pitchFamily="34" charset="0"/>
-                        <a:ea typeface="Calibri" panose="020F0502020204030204" pitchFamily="34" charset="0"/>
-                        <a:cs typeface="Times New Roman" panose="02020603050405020304" pitchFamily="18" charset="0"/>
-                      </a:endParaRPr>
-                    </a:p>
-                  </a:txBody>
-                  <a:tcPr marL="68580" marR="68580" marT="0" marB="0" anchor="ctr"/>
-                </a:tc>
-                <a:extLst>
-                  <a:ext uri="{0D108BD9-81ED-4DB2-BD59-A6C34878D82A}">
-                    <a16:rowId xmlns:a16="http://schemas.microsoft.com/office/drawing/2014/main" val="1433235382"/>
-                  </a:ext>
-                </a:extLst>
-              </a:tr>
-              <a:tr h="0">
-                <a:tc>
-                  <a:txBody>
-                    <a:bodyPr/>
-                    <a:lstStyle/>
-                    <a:p>
-                      <a:pPr marL="0" marR="0" algn="l">
-                        <a:lnSpc>
-                          <a:spcPct val="107000"/>
-                        </a:lnSpc>
-                        <a:spcBef>
-                          <a:spcPts val="0"/>
-                        </a:spcBef>
-                        <a:spcAft>
-                          <a:spcPts val="0"/>
-                        </a:spcAft>
-                      </a:pPr>
-                      <a:r>
-                        <a:rPr lang="en-US" sz="2400" dirty="0">
-                          <a:effectLst/>
-                        </a:rPr>
-                        <a:t>Specific Aim 1: </a:t>
-                      </a:r>
-                      <a:endParaRPr lang="en-US" sz="3200" dirty="0">
-                        <a:effectLst/>
-                      </a:endParaRPr>
-                    </a:p>
-                    <a:p>
-                      <a:pPr marL="0" marR="0" algn="l">
-                        <a:lnSpc>
-                          <a:spcPct val="107000"/>
-                        </a:lnSpc>
-                        <a:spcBef>
-                          <a:spcPts val="0"/>
-                        </a:spcBef>
-                        <a:spcAft>
-                          <a:spcPts val="0"/>
-                        </a:spcAft>
-                      </a:pPr>
-                      <a:r>
-                        <a:rPr lang="en-US" sz="2400" dirty="0">
-                          <a:effectLst/>
-                        </a:rPr>
-                        <a:t>Natural Language Processing (NLP) </a:t>
-                      </a:r>
-                      <a:endParaRPr lang="en-US" sz="3200" dirty="0">
-                        <a:effectLst/>
-                        <a:latin typeface="Calibri" panose="020F0502020204030204" pitchFamily="34" charset="0"/>
-                        <a:ea typeface="Calibri" panose="020F0502020204030204" pitchFamily="34" charset="0"/>
-                        <a:cs typeface="Times New Roman" panose="02020603050405020304" pitchFamily="18" charset="0"/>
-                      </a:endParaRPr>
-                    </a:p>
-                  </a:txBody>
-                  <a:tcPr marL="68580" marR="68580" marT="0" marB="0"/>
-                </a:tc>
-                <a:tc>
-                  <a:txBody>
-                    <a:bodyPr/>
-                    <a:lstStyle/>
-                    <a:p>
-                      <a:pPr marL="0" marR="0" algn="l">
-                        <a:lnSpc>
-                          <a:spcPct val="107000"/>
-                        </a:lnSpc>
-                        <a:spcBef>
-                          <a:spcPts val="0"/>
-                        </a:spcBef>
-                        <a:spcAft>
-                          <a:spcPts val="0"/>
-                        </a:spcAft>
-                      </a:pPr>
-                      <a:r>
-                        <a:rPr lang="en-US" sz="2400" dirty="0">
-                          <a:effectLst/>
-                        </a:rPr>
-                        <a:t>12/2020</a:t>
-                      </a:r>
-                      <a:endParaRPr lang="en-US" sz="3200" dirty="0">
-                        <a:effectLst/>
-                        <a:latin typeface="Calibri" panose="020F0502020204030204" pitchFamily="34" charset="0"/>
-                        <a:ea typeface="Calibri" panose="020F0502020204030204" pitchFamily="34" charset="0"/>
-                        <a:cs typeface="Times New Roman" panose="02020603050405020304" pitchFamily="18" charset="0"/>
-                      </a:endParaRPr>
-                    </a:p>
-                  </a:txBody>
-                  <a:tcPr marL="68580" marR="68580" marT="0" marB="0" anchor="ctr"/>
-                </a:tc>
-                <a:extLst>
-                  <a:ext uri="{0D108BD9-81ED-4DB2-BD59-A6C34878D82A}">
-                    <a16:rowId xmlns:a16="http://schemas.microsoft.com/office/drawing/2014/main" val="1483761380"/>
-                  </a:ext>
-                </a:extLst>
-              </a:tr>
-              <a:tr h="0">
-                <a:tc>
-                  <a:txBody>
-                    <a:bodyPr/>
-                    <a:lstStyle/>
-                    <a:p>
-                      <a:pPr marL="0" marR="0" algn="l">
-                        <a:lnSpc>
-                          <a:spcPct val="107000"/>
-                        </a:lnSpc>
-                        <a:spcBef>
-                          <a:spcPts val="0"/>
-                        </a:spcBef>
-                        <a:spcAft>
-                          <a:spcPts val="0"/>
-                        </a:spcAft>
-                      </a:pPr>
-                      <a:r>
-                        <a:rPr lang="en-US" sz="2400" dirty="0">
-                          <a:effectLst/>
-                        </a:rPr>
-                        <a:t>Specific Aim 1: </a:t>
-                      </a:r>
-                      <a:endParaRPr lang="en-US" sz="3200" dirty="0">
-                        <a:effectLst/>
-                      </a:endParaRPr>
-                    </a:p>
-                    <a:p>
-                      <a:pPr marL="0" marR="0" algn="l">
-                        <a:lnSpc>
-                          <a:spcPct val="107000"/>
-                        </a:lnSpc>
-                        <a:spcBef>
-                          <a:spcPts val="0"/>
-                        </a:spcBef>
-                        <a:spcAft>
-                          <a:spcPts val="0"/>
-                        </a:spcAft>
-                      </a:pPr>
-                      <a:r>
-                        <a:rPr lang="en-US" sz="2400" dirty="0">
-                          <a:effectLst/>
-                        </a:rPr>
-                        <a:t>NLP Manuscript Submission</a:t>
-                      </a:r>
-                      <a:endParaRPr lang="en-US" sz="3200" dirty="0">
-                        <a:effectLst/>
-                        <a:latin typeface="Calibri" panose="020F0502020204030204" pitchFamily="34" charset="0"/>
-                        <a:ea typeface="Calibri" panose="020F0502020204030204" pitchFamily="34" charset="0"/>
-                        <a:cs typeface="Times New Roman" panose="02020603050405020304" pitchFamily="18" charset="0"/>
-                      </a:endParaRPr>
-                    </a:p>
-                  </a:txBody>
-                  <a:tcPr marL="68580" marR="68580" marT="0" marB="0"/>
-                </a:tc>
-                <a:tc>
-                  <a:txBody>
-                    <a:bodyPr/>
-                    <a:lstStyle/>
-                    <a:p>
-                      <a:pPr marL="0" marR="0" algn="l">
-                        <a:lnSpc>
-                          <a:spcPct val="107000"/>
-                        </a:lnSpc>
-                        <a:spcBef>
-                          <a:spcPts val="0"/>
-                        </a:spcBef>
-                        <a:spcAft>
-                          <a:spcPts val="0"/>
-                        </a:spcAft>
-                      </a:pPr>
-                      <a:r>
-                        <a:rPr lang="en-US" sz="2400" dirty="0">
-                          <a:effectLst/>
-                        </a:rPr>
-                        <a:t>02/2021</a:t>
-                      </a:r>
-                      <a:endParaRPr lang="en-US" sz="3200" dirty="0">
-                        <a:effectLst/>
-                        <a:latin typeface="Calibri" panose="020F0502020204030204" pitchFamily="34" charset="0"/>
-                        <a:ea typeface="Calibri" panose="020F0502020204030204" pitchFamily="34" charset="0"/>
-                        <a:cs typeface="Times New Roman" panose="02020603050405020304" pitchFamily="18" charset="0"/>
-                      </a:endParaRPr>
-                    </a:p>
-                  </a:txBody>
-                  <a:tcPr marL="68580" marR="68580" marT="0" marB="0" anchor="ctr"/>
-                </a:tc>
-                <a:extLst>
-                  <a:ext uri="{0D108BD9-81ED-4DB2-BD59-A6C34878D82A}">
-                    <a16:rowId xmlns:a16="http://schemas.microsoft.com/office/drawing/2014/main" val="2549927338"/>
-                  </a:ext>
-                </a:extLst>
-              </a:tr>
-              <a:tr h="0">
-                <a:tc>
-                  <a:txBody>
-                    <a:bodyPr/>
-                    <a:lstStyle/>
-                    <a:p>
-                      <a:pPr marL="0" marR="0" algn="l">
-                        <a:lnSpc>
-                          <a:spcPct val="107000"/>
-                        </a:lnSpc>
-                        <a:spcBef>
-                          <a:spcPts val="0"/>
-                        </a:spcBef>
-                        <a:spcAft>
-                          <a:spcPts val="0"/>
-                        </a:spcAft>
-                      </a:pPr>
-                      <a:r>
-                        <a:rPr lang="en-US" sz="2400" dirty="0">
-                          <a:effectLst/>
-                        </a:rPr>
-                        <a:t>Specific Aim 2:</a:t>
-                      </a:r>
-                      <a:endParaRPr lang="en-US" sz="3200" dirty="0">
-                        <a:effectLst/>
-                      </a:endParaRPr>
-                    </a:p>
-                    <a:p>
-                      <a:pPr marL="0" marR="0" algn="l">
-                        <a:lnSpc>
-                          <a:spcPct val="107000"/>
-                        </a:lnSpc>
-                        <a:spcBef>
-                          <a:spcPts val="0"/>
-                        </a:spcBef>
-                        <a:spcAft>
-                          <a:spcPts val="0"/>
-                        </a:spcAft>
-                      </a:pPr>
-                      <a:r>
-                        <a:rPr lang="en-US" sz="2400" dirty="0">
-                          <a:effectLst/>
-                        </a:rPr>
-                        <a:t>Social Determinants of Health (</a:t>
-                      </a:r>
-                      <a:r>
-                        <a:rPr lang="en-US" sz="2400" dirty="0" err="1">
-                          <a:effectLst/>
-                        </a:rPr>
-                        <a:t>SDoH</a:t>
-                      </a:r>
-                      <a:r>
-                        <a:rPr lang="en-US" sz="2400" dirty="0">
-                          <a:effectLst/>
-                        </a:rPr>
-                        <a:t>) </a:t>
-                      </a:r>
-                      <a:endParaRPr lang="en-US" sz="3200" dirty="0">
-                        <a:effectLst/>
-                        <a:latin typeface="Calibri" panose="020F0502020204030204" pitchFamily="34" charset="0"/>
-                        <a:ea typeface="Calibri" panose="020F0502020204030204" pitchFamily="34" charset="0"/>
-                        <a:cs typeface="Times New Roman" panose="02020603050405020304" pitchFamily="18" charset="0"/>
-                      </a:endParaRPr>
-                    </a:p>
-                  </a:txBody>
-                  <a:tcPr marL="68580" marR="68580" marT="0" marB="0"/>
-                </a:tc>
-                <a:tc>
-                  <a:txBody>
-                    <a:bodyPr/>
-                    <a:lstStyle/>
-                    <a:p>
-                      <a:pPr marL="0" marR="0" algn="l">
-                        <a:lnSpc>
-                          <a:spcPct val="107000"/>
-                        </a:lnSpc>
-                        <a:spcBef>
-                          <a:spcPts val="0"/>
-                        </a:spcBef>
-                        <a:spcAft>
-                          <a:spcPts val="0"/>
-                        </a:spcAft>
-                      </a:pPr>
-                      <a:r>
-                        <a:rPr lang="en-US" sz="2400" dirty="0">
-                          <a:effectLst/>
-                        </a:rPr>
-                        <a:t>04/2021</a:t>
-                      </a:r>
-                      <a:endParaRPr lang="en-US" sz="3200" dirty="0">
-                        <a:effectLst/>
-                        <a:latin typeface="Calibri" panose="020F0502020204030204" pitchFamily="34" charset="0"/>
-                        <a:ea typeface="Calibri" panose="020F0502020204030204" pitchFamily="34" charset="0"/>
-                        <a:cs typeface="Times New Roman" panose="02020603050405020304" pitchFamily="18" charset="0"/>
-                      </a:endParaRPr>
-                    </a:p>
-                  </a:txBody>
-                  <a:tcPr marL="68580" marR="68580" marT="0" marB="0" anchor="ctr"/>
-                </a:tc>
-                <a:extLst>
-                  <a:ext uri="{0D108BD9-81ED-4DB2-BD59-A6C34878D82A}">
-                    <a16:rowId xmlns:a16="http://schemas.microsoft.com/office/drawing/2014/main" val="4179574225"/>
-                  </a:ext>
-                </a:extLst>
-              </a:tr>
-              <a:tr h="0">
-                <a:tc>
-                  <a:txBody>
-                    <a:bodyPr/>
-                    <a:lstStyle/>
-                    <a:p>
-                      <a:pPr marL="0" marR="0" algn="l">
-                        <a:lnSpc>
-                          <a:spcPct val="107000"/>
-                        </a:lnSpc>
-                        <a:spcBef>
-                          <a:spcPts val="0"/>
-                        </a:spcBef>
-                        <a:spcAft>
-                          <a:spcPts val="0"/>
-                        </a:spcAft>
-                      </a:pPr>
-                      <a:r>
-                        <a:rPr lang="en-US" sz="2400">
-                          <a:effectLst/>
-                        </a:rPr>
-                        <a:t>Specific Aim 2:</a:t>
-                      </a:r>
-                      <a:endParaRPr lang="en-US" sz="3200">
-                        <a:effectLst/>
-                      </a:endParaRPr>
-                    </a:p>
-                    <a:p>
-                      <a:pPr marL="0" marR="0" algn="l">
-                        <a:lnSpc>
-                          <a:spcPct val="107000"/>
-                        </a:lnSpc>
-                        <a:spcBef>
-                          <a:spcPts val="0"/>
-                        </a:spcBef>
-                        <a:spcAft>
-                          <a:spcPts val="0"/>
-                        </a:spcAft>
-                      </a:pPr>
-                      <a:r>
-                        <a:rPr lang="en-US" sz="2400">
-                          <a:effectLst/>
-                        </a:rPr>
-                        <a:t>SDoH  Manuscript Submission</a:t>
-                      </a:r>
-                      <a:endParaRPr lang="en-US" sz="3200">
-                        <a:effectLst/>
-                        <a:latin typeface="Calibri" panose="020F0502020204030204" pitchFamily="34" charset="0"/>
-                        <a:ea typeface="Calibri" panose="020F0502020204030204" pitchFamily="34" charset="0"/>
-                        <a:cs typeface="Times New Roman" panose="02020603050405020304" pitchFamily="18" charset="0"/>
-                      </a:endParaRPr>
-                    </a:p>
-                  </a:txBody>
-                  <a:tcPr marL="68580" marR="68580" marT="0" marB="0"/>
-                </a:tc>
-                <a:tc>
-                  <a:txBody>
-                    <a:bodyPr/>
-                    <a:lstStyle/>
-                    <a:p>
-                      <a:pPr marL="0" marR="0" algn="l">
-                        <a:lnSpc>
-                          <a:spcPct val="107000"/>
-                        </a:lnSpc>
-                        <a:spcBef>
-                          <a:spcPts val="0"/>
-                        </a:spcBef>
-                        <a:spcAft>
-                          <a:spcPts val="0"/>
-                        </a:spcAft>
-                      </a:pPr>
-                      <a:r>
-                        <a:rPr lang="en-US" sz="2400" dirty="0">
-                          <a:effectLst/>
-                        </a:rPr>
-                        <a:t>07/2021</a:t>
-                      </a:r>
-                      <a:endParaRPr lang="en-US" sz="3200" dirty="0">
-                        <a:effectLst/>
-                        <a:latin typeface="Calibri" panose="020F0502020204030204" pitchFamily="34" charset="0"/>
-                        <a:ea typeface="Calibri" panose="020F0502020204030204" pitchFamily="34" charset="0"/>
-                        <a:cs typeface="Times New Roman" panose="02020603050405020304" pitchFamily="18" charset="0"/>
-                      </a:endParaRPr>
-                    </a:p>
-                  </a:txBody>
-                  <a:tcPr marL="68580" marR="68580" marT="0" marB="0" anchor="ctr"/>
-                </a:tc>
-                <a:extLst>
-                  <a:ext uri="{0D108BD9-81ED-4DB2-BD59-A6C34878D82A}">
-                    <a16:rowId xmlns:a16="http://schemas.microsoft.com/office/drawing/2014/main" val="1916712752"/>
-                  </a:ext>
-                </a:extLst>
-              </a:tr>
-              <a:tr h="0">
-                <a:tc>
-                  <a:txBody>
-                    <a:bodyPr/>
-                    <a:lstStyle/>
-                    <a:p>
-                      <a:pPr marL="0" marR="0" algn="l">
-                        <a:lnSpc>
-                          <a:spcPct val="107000"/>
-                        </a:lnSpc>
-                        <a:spcBef>
-                          <a:spcPts val="0"/>
-                        </a:spcBef>
-                        <a:spcAft>
-                          <a:spcPts val="0"/>
-                        </a:spcAft>
-                      </a:pPr>
-                      <a:r>
-                        <a:rPr lang="en-US" sz="2400">
-                          <a:effectLst/>
-                        </a:rPr>
-                        <a:t>NIH R21 1</a:t>
-                      </a:r>
-                      <a:r>
-                        <a:rPr lang="en-US" sz="2400" baseline="30000">
-                          <a:effectLst/>
-                        </a:rPr>
-                        <a:t>st</a:t>
-                      </a:r>
-                      <a:r>
-                        <a:rPr lang="en-US" sz="2400">
-                          <a:effectLst/>
-                        </a:rPr>
-                        <a:t> Submission</a:t>
-                      </a:r>
-                      <a:endParaRPr lang="en-US" sz="3200">
-                        <a:effectLst/>
-                        <a:latin typeface="Calibri" panose="020F0502020204030204" pitchFamily="34" charset="0"/>
-                        <a:ea typeface="Calibri" panose="020F0502020204030204" pitchFamily="34" charset="0"/>
-                        <a:cs typeface="Times New Roman" panose="02020603050405020304" pitchFamily="18" charset="0"/>
-                      </a:endParaRPr>
-                    </a:p>
-                  </a:txBody>
-                  <a:tcPr marL="68580" marR="68580" marT="0" marB="0"/>
-                </a:tc>
-                <a:tc>
-                  <a:txBody>
-                    <a:bodyPr/>
-                    <a:lstStyle/>
-                    <a:p>
-                      <a:pPr marL="0" marR="0" algn="l">
-                        <a:lnSpc>
-                          <a:spcPct val="107000"/>
-                        </a:lnSpc>
-                        <a:spcBef>
-                          <a:spcPts val="0"/>
-                        </a:spcBef>
-                        <a:spcAft>
-                          <a:spcPts val="0"/>
-                        </a:spcAft>
-                      </a:pPr>
-                      <a:r>
-                        <a:rPr lang="en-US" sz="2400" dirty="0">
-                          <a:effectLst/>
-                        </a:rPr>
-                        <a:t>05/2021</a:t>
-                      </a:r>
-                      <a:endParaRPr lang="en-US" sz="3200" dirty="0">
-                        <a:effectLst/>
-                        <a:latin typeface="Calibri" panose="020F0502020204030204" pitchFamily="34" charset="0"/>
-                        <a:ea typeface="Calibri" panose="020F0502020204030204" pitchFamily="34" charset="0"/>
-                        <a:cs typeface="Times New Roman" panose="02020603050405020304" pitchFamily="18" charset="0"/>
-                      </a:endParaRPr>
-                    </a:p>
-                  </a:txBody>
-                  <a:tcPr marL="68580" marR="68580" marT="0" marB="0" anchor="ctr"/>
-                </a:tc>
-                <a:extLst>
-                  <a:ext uri="{0D108BD9-81ED-4DB2-BD59-A6C34878D82A}">
-                    <a16:rowId xmlns:a16="http://schemas.microsoft.com/office/drawing/2014/main" val="3968624083"/>
-                  </a:ext>
-                </a:extLst>
-              </a:tr>
-              <a:tr h="0">
-                <a:tc>
-                  <a:txBody>
-                    <a:bodyPr/>
-                    <a:lstStyle/>
-                    <a:p>
-                      <a:pPr marL="0" marR="0" algn="l">
-                        <a:lnSpc>
-                          <a:spcPct val="107000"/>
-                        </a:lnSpc>
-                        <a:spcBef>
-                          <a:spcPts val="0"/>
-                        </a:spcBef>
-                        <a:spcAft>
-                          <a:spcPts val="0"/>
-                        </a:spcAft>
-                      </a:pPr>
-                      <a:r>
-                        <a:rPr lang="en-US" sz="2400">
-                          <a:effectLst/>
-                        </a:rPr>
-                        <a:t>NIH R01 1</a:t>
-                      </a:r>
-                      <a:r>
-                        <a:rPr lang="en-US" sz="2400" baseline="30000">
-                          <a:effectLst/>
-                        </a:rPr>
-                        <a:t>st</a:t>
-                      </a:r>
-                      <a:r>
-                        <a:rPr lang="en-US" sz="2400">
-                          <a:effectLst/>
-                        </a:rPr>
-                        <a:t> Submission</a:t>
-                      </a:r>
-                      <a:endParaRPr lang="en-US" sz="3200">
-                        <a:effectLst/>
-                        <a:latin typeface="Calibri" panose="020F0502020204030204" pitchFamily="34" charset="0"/>
-                        <a:ea typeface="Calibri" panose="020F0502020204030204" pitchFamily="34" charset="0"/>
-                        <a:cs typeface="Times New Roman" panose="02020603050405020304" pitchFamily="18" charset="0"/>
-                      </a:endParaRPr>
-                    </a:p>
-                  </a:txBody>
-                  <a:tcPr marL="68580" marR="68580" marT="0" marB="0"/>
-                </a:tc>
-                <a:tc>
-                  <a:txBody>
-                    <a:bodyPr/>
-                    <a:lstStyle/>
-                    <a:p>
-                      <a:pPr marL="0" marR="0" algn="l">
-                        <a:lnSpc>
-                          <a:spcPct val="107000"/>
-                        </a:lnSpc>
-                        <a:spcBef>
-                          <a:spcPts val="0"/>
-                        </a:spcBef>
-                        <a:spcAft>
-                          <a:spcPts val="0"/>
-                        </a:spcAft>
-                      </a:pPr>
-                      <a:r>
-                        <a:rPr lang="en-US" sz="2400" dirty="0">
-                          <a:effectLst/>
-                        </a:rPr>
-                        <a:t>09/2021</a:t>
-                      </a:r>
-                      <a:endParaRPr lang="en-US" sz="3200" dirty="0">
-                        <a:effectLst/>
-                        <a:latin typeface="Calibri" panose="020F0502020204030204" pitchFamily="34" charset="0"/>
-                        <a:ea typeface="Calibri" panose="020F0502020204030204" pitchFamily="34" charset="0"/>
-                        <a:cs typeface="Times New Roman" panose="02020603050405020304" pitchFamily="18" charset="0"/>
-                      </a:endParaRPr>
-                    </a:p>
-                  </a:txBody>
-                  <a:tcPr marL="68580" marR="68580" marT="0" marB="0" anchor="ctr"/>
-                </a:tc>
-                <a:extLst>
-                  <a:ext uri="{0D108BD9-81ED-4DB2-BD59-A6C34878D82A}">
-                    <a16:rowId xmlns:a16="http://schemas.microsoft.com/office/drawing/2014/main" val="3928852599"/>
-                  </a:ext>
-                </a:extLst>
-              </a:tr>
-            </a:tbl>
-          </a:graphicData>
-        </a:graphic>
-      </p:graphicFrame>
+      <p:sp>
+        <p:nvSpPr>
+          <p:cNvPr id="3" name="Content Placeholder 2"/>
+          <p:cNvSpPr>
+            <a:spLocks noGrp="1"/>
+          </p:cNvSpPr>
+          <p:nvPr>
+            <p:ph idx="1"/>
+          </p:nvPr>
+        </p:nvSpPr>
+        <p:spPr>
+          <a:xfrm>
+            <a:off x="838200" y="1213149"/>
+            <a:ext cx="10515600" cy="5377431"/>
+          </a:xfrm>
+        </p:spPr>
+        <p:txBody>
+          <a:bodyPr>
+            <a:normAutofit fontScale="92500" lnSpcReduction="20000"/>
+          </a:bodyPr>
+          <a:lstStyle/>
+          <a:p>
+            <a:pPr marL="0" indent="0">
+              <a:buNone/>
+            </a:pPr>
+            <a:r>
+              <a:rPr lang="en-US" b="1" dirty="0" smtClean="0"/>
+              <a:t>IRB Approval </a:t>
+            </a:r>
+          </a:p>
+          <a:p>
+            <a:pPr marL="0" indent="0">
+              <a:buNone/>
+            </a:pPr>
+            <a:r>
+              <a:rPr lang="en-US" b="1" dirty="0" smtClean="0"/>
+              <a:t>Data Extraction (16K infants): </a:t>
+            </a:r>
+          </a:p>
+          <a:p>
+            <a:pPr lvl="1"/>
+            <a:r>
+              <a:rPr lang="en-US" dirty="0" smtClean="0"/>
+              <a:t>2011-April 2017 </a:t>
+            </a:r>
+          </a:p>
+          <a:p>
+            <a:pPr lvl="1"/>
+            <a:r>
+              <a:rPr lang="en-US" dirty="0" err="1" smtClean="0"/>
+              <a:t>Zipcode</a:t>
+            </a:r>
+            <a:r>
+              <a:rPr lang="en-US" dirty="0" smtClean="0"/>
+              <a:t> at delivery </a:t>
+            </a:r>
+          </a:p>
+          <a:p>
+            <a:pPr lvl="1"/>
+            <a:r>
+              <a:rPr lang="en-US" dirty="0"/>
+              <a:t>N</a:t>
+            </a:r>
+            <a:r>
+              <a:rPr lang="en-US" dirty="0" smtClean="0"/>
+              <a:t>otes at delivery (600K+)</a:t>
+            </a:r>
+          </a:p>
+          <a:p>
+            <a:pPr marL="0" indent="0">
+              <a:buNone/>
+            </a:pPr>
+            <a:r>
+              <a:rPr lang="en-US" b="1" dirty="0" smtClean="0"/>
+              <a:t>Data Storage:</a:t>
+            </a:r>
+          </a:p>
+          <a:p>
+            <a:pPr lvl="1"/>
+            <a:r>
+              <a:rPr lang="en-US" dirty="0" smtClean="0"/>
+              <a:t>UFRC for clinical notes</a:t>
+            </a:r>
+          </a:p>
+          <a:p>
+            <a:pPr lvl="1"/>
+            <a:r>
+              <a:rPr lang="en-US" dirty="0" smtClean="0"/>
+              <a:t>Redcap for mom-baby link EHR</a:t>
+            </a:r>
+          </a:p>
+          <a:p>
+            <a:pPr marL="0" indent="0">
+              <a:buNone/>
+            </a:pPr>
+            <a:r>
+              <a:rPr lang="en-US" b="1" dirty="0" smtClean="0"/>
+              <a:t>Publication(s):</a:t>
+            </a:r>
+          </a:p>
+          <a:p>
+            <a:pPr lvl="1"/>
+            <a:r>
+              <a:rPr lang="en-US" dirty="0" smtClean="0"/>
+              <a:t>Pediatric </a:t>
+            </a:r>
+            <a:r>
+              <a:rPr lang="en-US" dirty="0"/>
+              <a:t>antibiotic episodes are not associated with mode of delivery (n=4,024, p=0.08) in </a:t>
+            </a:r>
+            <a:r>
+              <a:rPr lang="en-US" dirty="0" err="1"/>
+              <a:t>UFHealth</a:t>
+            </a:r>
+            <a:r>
+              <a:rPr lang="en-US" dirty="0"/>
+              <a:t> EHR. </a:t>
+            </a:r>
+            <a:r>
+              <a:rPr lang="en-US" i="1" dirty="0"/>
+              <a:t>Lemas et al. 2020. 15(3):e0229861</a:t>
+            </a:r>
+            <a:endParaRPr lang="en-US" dirty="0"/>
+          </a:p>
+          <a:p>
+            <a:pPr marL="0" indent="0">
+              <a:buNone/>
+            </a:pPr>
+            <a:r>
+              <a:rPr lang="en-US" b="1" dirty="0" smtClean="0"/>
+              <a:t>Students:</a:t>
+            </a:r>
+          </a:p>
+          <a:p>
+            <a:pPr lvl="1"/>
+            <a:r>
+              <a:rPr lang="en-US" dirty="0" smtClean="0"/>
+              <a:t>BMI Masters student working on NLP classifier.</a:t>
+            </a:r>
+          </a:p>
+          <a:p>
+            <a:pPr lvl="1"/>
+            <a:r>
+              <a:rPr lang="en-US" dirty="0" smtClean="0"/>
+              <a:t>BMI PhD students that can help with data management/analysis.</a:t>
+            </a:r>
+          </a:p>
+          <a:p>
+            <a:pPr lvl="1"/>
+            <a:r>
+              <a:rPr lang="en-US" dirty="0" smtClean="0"/>
+              <a:t>Grad students from other labs.</a:t>
+            </a:r>
+          </a:p>
+          <a:p>
+            <a:pPr lvl="1"/>
+            <a:endParaRPr lang="en-US" dirty="0"/>
+          </a:p>
+        </p:txBody>
+      </p:sp>
     </p:spTree>
     <p:extLst>
       <p:ext uri="{BB962C8B-B14F-4D97-AF65-F5344CB8AC3E}">
-        <p14:creationId xmlns:p14="http://schemas.microsoft.com/office/powerpoint/2010/main" val="990441693"/>
+        <p14:creationId xmlns:p14="http://schemas.microsoft.com/office/powerpoint/2010/main" val="1662915728"/>
       </p:ext>
     </p:extLst>
   </p:cSld>
